--- a/Classification_of_Fishing_Activities_using_ResNet_Neural_Network_from_AIS_Data.pptx
+++ b/Classification_of_Fishing_Activities_using_ResNet_Neural_Network_from_AIS_Data.pptx
@@ -18,23 +18,24 @@
     <p:sldId id="263" r:id="rId13"/>
     <p:sldId id="264" r:id="rId14"/>
     <p:sldId id="265" r:id="rId15"/>
+    <p:sldId id="266" r:id="rId16"/>
   </p:sldIdLst>
   <p:sldSz cy="5143500" cx="9144000"/>
   <p:notesSz cx="6858000" cy="9144000"/>
   <p:embeddedFontLst>
     <p:embeddedFont>
       <p:font typeface="Montserrat"/>
-      <p:regular r:id="rId16"/>
-      <p:bold r:id="rId17"/>
-      <p:italic r:id="rId18"/>
-      <p:boldItalic r:id="rId19"/>
+      <p:regular r:id="rId17"/>
+      <p:bold r:id="rId18"/>
+      <p:italic r:id="rId19"/>
+      <p:boldItalic r:id="rId20"/>
     </p:embeddedFont>
     <p:embeddedFont>
       <p:font typeface="Lato"/>
-      <p:regular r:id="rId20"/>
-      <p:bold r:id="rId21"/>
-      <p:italic r:id="rId22"/>
-      <p:boldItalic r:id="rId23"/>
+      <p:regular r:id="rId21"/>
+      <p:bold r:id="rId22"/>
+      <p:italic r:id="rId23"/>
+      <p:boldItalic r:id="rId24"/>
     </p:embeddedFont>
   </p:embeddedFontLst>
   <p:defaultTextStyle>
@@ -815,7 +816,7 @@
   <p:cSld>
     <p:spTree>
       <p:nvGrpSpPr>
-        <p:cNvPr id="197" name="Shape 197"/>
+        <p:cNvPr id="216" name="Shape 216"/>
         <p:cNvGrpSpPr/>
         <p:nvPr/>
       </p:nvGrpSpPr>
@@ -829,7 +830,7 @@
       </p:grpSpPr>
       <p:sp>
         <p:nvSpPr>
-          <p:cNvPr id="198" name="Google Shape;198;g9a557339fb_0_31:notes"/>
+          <p:cNvPr id="217" name="Google Shape;217;g98200b57f4_1_15:notes"/>
           <p:cNvSpPr/>
           <p:nvPr>
             <p:ph idx="2" type="sldImg"/>
@@ -864,7 +865,106 @@
       </p:sp>
       <p:sp>
         <p:nvSpPr>
-          <p:cNvPr id="199" name="Google Shape;199;g9a557339fb_0_31:notes"/>
+          <p:cNvPr id="218" name="Google Shape;218;g98200b57f4_1_15:notes"/>
+          <p:cNvSpPr txBox="1"/>
+          <p:nvPr>
+            <p:ph idx="1" type="body"/>
+          </p:nvPr>
+        </p:nvSpPr>
+        <p:spPr>
+          <a:xfrm>
+            <a:off x="685800" y="4343400"/>
+            <a:ext cx="5486400" cy="4114800"/>
+          </a:xfrm>
+          <a:prstGeom prst="rect">
+            <a:avLst/>
+          </a:prstGeom>
+        </p:spPr>
+        <p:txBody>
+          <a:bodyPr anchorCtr="0" anchor="t" bIns="91425" lIns="91425" spcFirstLastPara="1" rIns="91425" wrap="square" tIns="91425">
+            <a:noAutofit/>
+          </a:bodyPr>
+          <a:lstStyle/>
+          <a:p>
+            <a:pPr indent="0" lvl="0" marL="0" rtl="0" algn="l">
+              <a:spcBef>
+                <a:spcPts val="0"/>
+              </a:spcBef>
+              <a:spcAft>
+                <a:spcPts val="0"/>
+              </a:spcAft>
+              <a:buNone/>
+            </a:pPr>
+            <a:r>
+              <a:t/>
+            </a:r>
+            <a:endParaRPr/>
+          </a:p>
+        </p:txBody>
+      </p:sp>
+    </p:spTree>
+  </p:cSld>
+  <p:clrMapOvr>
+    <a:masterClrMapping/>
+  </p:clrMapOvr>
+</p:notes>
+</file>
+
+<file path=ppt/notesSlides/notesSlide11.xml><?xml version="1.0" encoding="utf-8"?>
+<p:notes xmlns:a="http://schemas.openxmlformats.org/drawingml/2006/main" xmlns:r="http://schemas.openxmlformats.org/officeDocument/2006/relationships" xmlns:mc="http://schemas.openxmlformats.org/markup-compatibility/2006" xmlns:mv="urn:schemas-microsoft-com:mac:vml" xmlns:p="http://schemas.openxmlformats.org/presentationml/2006/main" xmlns:c="http://schemas.openxmlformats.org/drawingml/2006/chart" xmlns:dgm="http://schemas.openxmlformats.org/drawingml/2006/diagram" xmlns:o="urn:schemas-microsoft-com:office:office" xmlns:v="urn:schemas-microsoft-com:vml" xmlns:pvml="urn:schemas-microsoft-com:office:powerpoint" xmlns:com="http://schemas.openxmlformats.org/drawingml/2006/compatibility" xmlns:p14="http://schemas.microsoft.com/office/powerpoint/2010/main" xmlns:p15="http://schemas.microsoft.com/office/powerpoint/2012/main" xmlns:ahyp="http://schemas.microsoft.com/office/drawing/2018/hyperlinkcolor" showMasterPhAnim="0" showMasterSp="0">
+  <p:cSld>
+    <p:spTree>
+      <p:nvGrpSpPr>
+        <p:cNvPr id="222" name="Shape 222"/>
+        <p:cNvGrpSpPr/>
+        <p:nvPr/>
+      </p:nvGrpSpPr>
+      <p:grpSpPr>
+        <a:xfrm>
+          <a:off x="0" y="0"/>
+          <a:ext cx="0" cy="0"/>
+          <a:chOff x="0" y="0"/>
+          <a:chExt cx="0" cy="0"/>
+        </a:xfrm>
+      </p:grpSpPr>
+      <p:sp>
+        <p:nvSpPr>
+          <p:cNvPr id="223" name="Google Shape;223;g9a557339fb_0_31:notes"/>
+          <p:cNvSpPr/>
+          <p:nvPr>
+            <p:ph idx="2" type="sldImg"/>
+          </p:nvPr>
+        </p:nvSpPr>
+        <p:spPr>
+          <a:xfrm>
+            <a:off x="381300" y="685800"/>
+            <a:ext cx="6096000" cy="3429000"/>
+          </a:xfrm>
+          <a:custGeom>
+            <a:rect b="b" l="l" r="r" t="t"/>
+            <a:pathLst>
+              <a:path extrusionOk="0" h="120000" w="120000">
+                <a:moveTo>
+                  <a:pt x="0" y="0"/>
+                </a:moveTo>
+                <a:lnTo>
+                  <a:pt x="120000" y="0"/>
+                </a:lnTo>
+                <a:lnTo>
+                  <a:pt x="120000" y="120000"/>
+                </a:lnTo>
+                <a:lnTo>
+                  <a:pt x="0" y="120000"/>
+                </a:lnTo>
+                <a:close/>
+              </a:path>
+            </a:pathLst>
+          </a:custGeom>
+        </p:spPr>
+      </p:sp>
+      <p:sp>
+        <p:nvSpPr>
+          <p:cNvPr id="224" name="Google Shape;224;g9a557339fb_0_31:notes"/>
           <p:cNvSpPr txBox="1"/>
           <p:nvPr>
             <p:ph idx="1" type="body"/>
@@ -928,7 +1028,7 @@
       </p:grpSpPr>
       <p:sp>
         <p:nvSpPr>
-          <p:cNvPr id="137" name="Google Shape;137;g98200b57f4_2_1:notes"/>
+          <p:cNvPr id="137" name="Google Shape;137;g98200b57f4_2_6:notes"/>
           <p:cNvSpPr/>
           <p:nvPr>
             <p:ph idx="2" type="sldImg"/>
@@ -963,7 +1063,7 @@
       </p:sp>
       <p:sp>
         <p:nvSpPr>
-          <p:cNvPr id="138" name="Google Shape;138;g98200b57f4_2_1:notes"/>
+          <p:cNvPr id="138" name="Google Shape;138;g98200b57f4_2_6:notes"/>
           <p:cNvSpPr txBox="1"/>
           <p:nvPr>
             <p:ph idx="1" type="body"/>
@@ -1027,7 +1127,7 @@
       </p:grpSpPr>
       <p:sp>
         <p:nvSpPr>
-          <p:cNvPr id="143" name="Google Shape;143;g98200b57f4_2_6:notes"/>
+          <p:cNvPr id="143" name="Google Shape;143;g99ced37449_0_1433:notes"/>
           <p:cNvSpPr/>
           <p:nvPr>
             <p:ph idx="2" type="sldImg"/>
@@ -1062,7 +1162,7 @@
       </p:sp>
       <p:sp>
         <p:nvSpPr>
-          <p:cNvPr id="144" name="Google Shape;144;g98200b57f4_2_6:notes"/>
+          <p:cNvPr id="144" name="Google Shape;144;g99ced37449_0_1433:notes"/>
           <p:cNvSpPr txBox="1"/>
           <p:nvPr>
             <p:ph idx="1" type="body"/>
@@ -1112,7 +1212,7 @@
   <p:cSld>
     <p:spTree>
       <p:nvGrpSpPr>
-        <p:cNvPr id="148" name="Shape 148"/>
+        <p:cNvPr id="157" name="Shape 157"/>
         <p:cNvGrpSpPr/>
         <p:nvPr/>
       </p:nvGrpSpPr>
@@ -1126,7 +1226,7 @@
       </p:grpSpPr>
       <p:sp>
         <p:nvSpPr>
-          <p:cNvPr id="149" name="Google Shape;149;g9a557339fb_0_13:notes"/>
+          <p:cNvPr id="158" name="Google Shape;158;g9a557339fb_0_13:notes"/>
           <p:cNvSpPr/>
           <p:nvPr>
             <p:ph idx="2" type="sldImg"/>
@@ -1161,7 +1261,7 @@
       </p:sp>
       <p:sp>
         <p:nvSpPr>
-          <p:cNvPr id="150" name="Google Shape;150;g9a557339fb_0_13:notes"/>
+          <p:cNvPr id="159" name="Google Shape;159;g9a557339fb_0_13:notes"/>
           <p:cNvSpPr txBox="1"/>
           <p:nvPr>
             <p:ph idx="1" type="body"/>
@@ -1211,7 +1311,7 @@
   <p:cSld>
     <p:spTree>
       <p:nvGrpSpPr>
-        <p:cNvPr id="154" name="Shape 154"/>
+        <p:cNvPr id="164" name="Shape 164"/>
         <p:cNvGrpSpPr/>
         <p:nvPr/>
       </p:nvGrpSpPr>
@@ -1225,7 +1325,7 @@
       </p:grpSpPr>
       <p:sp>
         <p:nvSpPr>
-          <p:cNvPr id="155" name="Google Shape;155;g98200b57f4_2_11:notes"/>
+          <p:cNvPr id="165" name="Google Shape;165;g98200b57f4_2_11:notes"/>
           <p:cNvSpPr/>
           <p:nvPr>
             <p:ph idx="2" type="sldImg"/>
@@ -1260,7 +1360,7 @@
       </p:sp>
       <p:sp>
         <p:nvSpPr>
-          <p:cNvPr id="156" name="Google Shape;156;g98200b57f4_2_11:notes"/>
+          <p:cNvPr id="166" name="Google Shape;166;g98200b57f4_2_11:notes"/>
           <p:cNvSpPr txBox="1"/>
           <p:nvPr>
             <p:ph idx="1" type="body"/>
@@ -1310,7 +1410,7 @@
   <p:cSld>
     <p:spTree>
       <p:nvGrpSpPr>
-        <p:cNvPr id="163" name="Shape 163"/>
+        <p:cNvPr id="173" name="Shape 173"/>
         <p:cNvGrpSpPr/>
         <p:nvPr/>
       </p:nvGrpSpPr>
@@ -1324,7 +1424,7 @@
       </p:grpSpPr>
       <p:sp>
         <p:nvSpPr>
-          <p:cNvPr id="164" name="Google Shape;164;g98200b57f4_1_0:notes"/>
+          <p:cNvPr id="174" name="Google Shape;174;g98200b57f4_1_0:notes"/>
           <p:cNvSpPr/>
           <p:nvPr>
             <p:ph idx="2" type="sldImg"/>
@@ -1359,7 +1459,7 @@
       </p:sp>
       <p:sp>
         <p:nvSpPr>
-          <p:cNvPr id="165" name="Google Shape;165;g98200b57f4_1_0:notes"/>
+          <p:cNvPr id="175" name="Google Shape;175;g98200b57f4_1_0:notes"/>
           <p:cNvSpPr txBox="1"/>
           <p:nvPr>
             <p:ph idx="1" type="body"/>
@@ -1409,7 +1509,7 @@
   <p:cSld>
     <p:spTree>
       <p:nvGrpSpPr>
-        <p:cNvPr id="171" name="Shape 171"/>
+        <p:cNvPr id="182" name="Shape 182"/>
         <p:cNvGrpSpPr/>
         <p:nvPr/>
       </p:nvGrpSpPr>
@@ -1423,7 +1523,7 @@
       </p:grpSpPr>
       <p:sp>
         <p:nvSpPr>
-          <p:cNvPr id="172" name="Google Shape;172;g98200b57f4_1_5:notes"/>
+          <p:cNvPr id="183" name="Google Shape;183;g98200b57f4_1_5:notes"/>
           <p:cNvSpPr/>
           <p:nvPr>
             <p:ph idx="2" type="sldImg"/>
@@ -1458,7 +1558,7 @@
       </p:sp>
       <p:sp>
         <p:nvSpPr>
-          <p:cNvPr id="173" name="Google Shape;173;g98200b57f4_1_5:notes"/>
+          <p:cNvPr id="184" name="Google Shape;184;g98200b57f4_1_5:notes"/>
           <p:cNvSpPr txBox="1"/>
           <p:nvPr>
             <p:ph idx="1" type="body"/>
@@ -1508,7 +1608,7 @@
   <p:cSld>
     <p:spTree>
       <p:nvGrpSpPr>
-        <p:cNvPr id="184" name="Shape 184"/>
+        <p:cNvPr id="202" name="Shape 202"/>
         <p:cNvGrpSpPr/>
         <p:nvPr/>
       </p:nvGrpSpPr>
@@ -1522,7 +1622,7 @@
       </p:grpSpPr>
       <p:sp>
         <p:nvSpPr>
-          <p:cNvPr id="185" name="Google Shape;185;g9a557339fb_1_11:notes"/>
+          <p:cNvPr id="203" name="Google Shape;203;g9a557339fb_1_11:notes"/>
           <p:cNvSpPr/>
           <p:nvPr>
             <p:ph idx="2" type="sldImg"/>
@@ -1557,7 +1657,7 @@
       </p:sp>
       <p:sp>
         <p:nvSpPr>
-          <p:cNvPr id="186" name="Google Shape;186;g9a557339fb_1_11:notes"/>
+          <p:cNvPr id="204" name="Google Shape;204;g9a557339fb_1_11:notes"/>
           <p:cNvSpPr txBox="1"/>
           <p:nvPr>
             <p:ph idx="1" type="body"/>
@@ -1607,7 +1707,7 @@
   <p:cSld>
     <p:spTree>
       <p:nvGrpSpPr>
-        <p:cNvPr id="191" name="Shape 191"/>
+        <p:cNvPr id="209" name="Shape 209"/>
         <p:cNvGrpSpPr/>
         <p:nvPr/>
       </p:nvGrpSpPr>
@@ -1621,7 +1721,7 @@
       </p:grpSpPr>
       <p:sp>
         <p:nvSpPr>
-          <p:cNvPr id="192" name="Google Shape;192;g98200b57f4_1_15:notes"/>
+          <p:cNvPr id="210" name="Google Shape;210;g99d57a7d88_5_0:notes"/>
           <p:cNvSpPr/>
           <p:nvPr>
             <p:ph idx="2" type="sldImg"/>
@@ -1656,7 +1756,7 @@
       </p:sp>
       <p:sp>
         <p:nvSpPr>
-          <p:cNvPr id="193" name="Google Shape;193;g98200b57f4_1_15:notes"/>
+          <p:cNvPr id="211" name="Google Shape;211;g99d57a7d88_5_0:notes"/>
           <p:cNvSpPr txBox="1"/>
           <p:nvPr>
             <p:ph idx="1" type="body"/>
@@ -9887,6 +9987,13 @@
 <file path=ppt/slides/slide1.xml><?xml version="1.0" encoding="utf-8"?>
 <p:sld xmlns:a="http://schemas.openxmlformats.org/drawingml/2006/main" xmlns:r="http://schemas.openxmlformats.org/officeDocument/2006/relationships" xmlns:mc="http://schemas.openxmlformats.org/markup-compatibility/2006" xmlns:mv="urn:schemas-microsoft-com:mac:vml" xmlns:p="http://schemas.openxmlformats.org/presentationml/2006/main" xmlns:c="http://schemas.openxmlformats.org/drawingml/2006/chart" xmlns:dgm="http://schemas.openxmlformats.org/drawingml/2006/diagram" xmlns:o="urn:schemas-microsoft-com:office:office" xmlns:v="urn:schemas-microsoft-com:vml" xmlns:pvml="urn:schemas-microsoft-com:office:powerpoint" xmlns:com="http://schemas.openxmlformats.org/drawingml/2006/compatibility" xmlns:p14="http://schemas.microsoft.com/office/powerpoint/2010/main" xmlns:p15="http://schemas.microsoft.com/office/powerpoint/2012/main" xmlns:ahyp="http://schemas.microsoft.com/office/drawing/2018/hyperlinkcolor">
   <p:cSld>
+    <p:bg>
+      <p:bgPr>
+        <a:solidFill>
+          <a:srgbClr val="20124D"/>
+        </a:solidFill>
+      </p:bgPr>
+    </p:bg>
     <p:spTree>
       <p:nvGrpSpPr>
         <p:cNvPr id="133" name="Shape 133"/>
@@ -9992,9 +10099,16 @@
 <file path=ppt/slides/slide10.xml><?xml version="1.0" encoding="utf-8"?>
 <p:sld xmlns:a="http://schemas.openxmlformats.org/drawingml/2006/main" xmlns:r="http://schemas.openxmlformats.org/officeDocument/2006/relationships" xmlns:mc="http://schemas.openxmlformats.org/markup-compatibility/2006" xmlns:mv="urn:schemas-microsoft-com:mac:vml" xmlns:p="http://schemas.openxmlformats.org/presentationml/2006/main" xmlns:c="http://schemas.openxmlformats.org/drawingml/2006/chart" xmlns:dgm="http://schemas.openxmlformats.org/drawingml/2006/diagram" xmlns:o="urn:schemas-microsoft-com:office:office" xmlns:v="urn:schemas-microsoft-com:vml" xmlns:pvml="urn:schemas-microsoft-com:office:powerpoint" xmlns:com="http://schemas.openxmlformats.org/drawingml/2006/compatibility" xmlns:p14="http://schemas.microsoft.com/office/powerpoint/2010/main" xmlns:p15="http://schemas.microsoft.com/office/powerpoint/2012/main" xmlns:ahyp="http://schemas.microsoft.com/office/drawing/2018/hyperlinkcolor">
   <p:cSld>
+    <p:bg>
+      <p:bgPr>
+        <a:solidFill>
+          <a:srgbClr val="20124D"/>
+        </a:solidFill>
+      </p:bgPr>
+    </p:bg>
     <p:spTree>
       <p:nvGrpSpPr>
-        <p:cNvPr id="200" name="Shape 200"/>
+        <p:cNvPr id="219" name="Shape 219"/>
         <p:cNvGrpSpPr/>
         <p:nvPr/>
       </p:nvGrpSpPr>
@@ -10008,7 +10122,186 @@
       </p:grpSpPr>
       <p:sp>
         <p:nvSpPr>
-          <p:cNvPr id="201" name="Google Shape;201;p22"/>
+          <p:cNvPr id="220" name="Google Shape;220;p22"/>
+          <p:cNvSpPr txBox="1"/>
+          <p:nvPr>
+            <p:ph type="title"/>
+          </p:nvPr>
+        </p:nvSpPr>
+        <p:spPr>
+          <a:xfrm>
+            <a:off x="1297500" y="222575"/>
+            <a:ext cx="7038900" cy="914100"/>
+          </a:xfrm>
+          <a:prstGeom prst="rect">
+            <a:avLst/>
+          </a:prstGeom>
+        </p:spPr>
+        <p:txBody>
+          <a:bodyPr anchorCtr="0" anchor="t" bIns="91425" lIns="91425" spcFirstLastPara="1" rIns="91425" wrap="square" tIns="91425">
+            <a:noAutofit/>
+          </a:bodyPr>
+          <a:lstStyle/>
+          <a:p>
+            <a:pPr indent="0" lvl="0" marL="0" rtl="0" algn="l">
+              <a:spcBef>
+                <a:spcPts val="0"/>
+              </a:spcBef>
+              <a:spcAft>
+                <a:spcPts val="0"/>
+              </a:spcAft>
+              <a:buNone/>
+            </a:pPr>
+            <a:r>
+              <a:rPr lang="it" sz="2700"/>
+              <a:t>Conclusion and future works</a:t>
+            </a:r>
+            <a:endParaRPr sz="2700"/>
+          </a:p>
+        </p:txBody>
+      </p:sp>
+      <p:sp>
+        <p:nvSpPr>
+          <p:cNvPr id="221" name="Google Shape;221;p22"/>
+          <p:cNvSpPr txBox="1"/>
+          <p:nvPr>
+            <p:ph idx="1" type="body"/>
+          </p:nvPr>
+        </p:nvSpPr>
+        <p:spPr>
+          <a:xfrm>
+            <a:off x="1297500" y="992425"/>
+            <a:ext cx="7038900" cy="3364200"/>
+          </a:xfrm>
+          <a:prstGeom prst="rect">
+            <a:avLst/>
+          </a:prstGeom>
+        </p:spPr>
+        <p:txBody>
+          <a:bodyPr anchorCtr="0" anchor="t" bIns="91425" lIns="91425" spcFirstLastPara="1" rIns="91425" wrap="square" tIns="91425">
+            <a:noAutofit/>
+          </a:bodyPr>
+          <a:lstStyle/>
+          <a:p>
+            <a:pPr indent="0" lvl="0" marL="0" rtl="0" algn="just">
+              <a:spcBef>
+                <a:spcPts val="0"/>
+              </a:spcBef>
+              <a:spcAft>
+                <a:spcPts val="0"/>
+              </a:spcAft>
+              <a:buNone/>
+            </a:pPr>
+            <a:r>
+              <a:rPr lang="it" sz="1600"/>
+              <a:t>ResNet neural network works brilliantly for classification of Multi-class time series, despite the nature of the dataset, reaching accuracies and </a:t>
+            </a:r>
+            <a:r>
+              <a:rPr lang="it" sz="1600"/>
+              <a:t>precisions</a:t>
+            </a:r>
+            <a:r>
+              <a:rPr lang="it" sz="1600"/>
+              <a:t> above 95%</a:t>
+            </a:r>
+            <a:endParaRPr sz="1600"/>
+          </a:p>
+          <a:p>
+            <a:pPr indent="0" lvl="0" marL="0" rtl="0" algn="just">
+              <a:spcBef>
+                <a:spcPts val="1600"/>
+              </a:spcBef>
+              <a:spcAft>
+                <a:spcPts val="0"/>
+              </a:spcAft>
+              <a:buNone/>
+            </a:pPr>
+            <a:r>
+              <a:rPr lang="it" sz="1600"/>
+              <a:t>Another feature to use in the future for the classification is the measure “jerk”, which is calculated as the </a:t>
+            </a:r>
+            <a:r>
+              <a:rPr lang="it" sz="1600"/>
+              <a:t>derivative</a:t>
+            </a:r>
+            <a:r>
+              <a:rPr lang="it" sz="1600"/>
+              <a:t> of the acceleration</a:t>
+            </a:r>
+            <a:endParaRPr sz="1600"/>
+          </a:p>
+          <a:p>
+            <a:pPr indent="0" lvl="0" marL="0" rtl="0" algn="just">
+              <a:spcBef>
+                <a:spcPts val="1600"/>
+              </a:spcBef>
+              <a:spcAft>
+                <a:spcPts val="0"/>
+              </a:spcAft>
+              <a:buNone/>
+            </a:pPr>
+            <a:r>
+              <a:rPr lang="it" sz="1600"/>
+              <a:t>The same network and data manipulation process can be adopted for solving different problems in other scientific fields of research</a:t>
+            </a:r>
+            <a:r>
+              <a:rPr lang="it" sz="1600"/>
+              <a:t> concerning data recognition and forecast of repetitive human activities.</a:t>
+            </a:r>
+            <a:endParaRPr sz="1600"/>
+          </a:p>
+          <a:p>
+            <a:pPr indent="0" lvl="0" marL="0" rtl="0" algn="just">
+              <a:spcBef>
+                <a:spcPts val="1600"/>
+              </a:spcBef>
+              <a:spcAft>
+                <a:spcPts val="1600"/>
+              </a:spcAft>
+              <a:buNone/>
+            </a:pPr>
+            <a:r>
+              <a:t/>
+            </a:r>
+            <a:endParaRPr sz="1600"/>
+          </a:p>
+        </p:txBody>
+      </p:sp>
+    </p:spTree>
+  </p:cSld>
+  <p:clrMapOvr>
+    <a:masterClrMapping/>
+  </p:clrMapOvr>
+</p:sld>
+</file>
+
+<file path=ppt/slides/slide11.xml><?xml version="1.0" encoding="utf-8"?>
+<p:sld xmlns:a="http://schemas.openxmlformats.org/drawingml/2006/main" xmlns:r="http://schemas.openxmlformats.org/officeDocument/2006/relationships" xmlns:mc="http://schemas.openxmlformats.org/markup-compatibility/2006" xmlns:mv="urn:schemas-microsoft-com:mac:vml" xmlns:p="http://schemas.openxmlformats.org/presentationml/2006/main" xmlns:c="http://schemas.openxmlformats.org/drawingml/2006/chart" xmlns:dgm="http://schemas.openxmlformats.org/drawingml/2006/diagram" xmlns:o="urn:schemas-microsoft-com:office:office" xmlns:v="urn:schemas-microsoft-com:vml" xmlns:pvml="urn:schemas-microsoft-com:office:powerpoint" xmlns:com="http://schemas.openxmlformats.org/drawingml/2006/compatibility" xmlns:p14="http://schemas.microsoft.com/office/powerpoint/2010/main" xmlns:p15="http://schemas.microsoft.com/office/powerpoint/2012/main" xmlns:ahyp="http://schemas.microsoft.com/office/drawing/2018/hyperlinkcolor">
+  <p:cSld>
+    <p:bg>
+      <p:bgPr>
+        <a:solidFill>
+          <a:srgbClr val="20124D"/>
+        </a:solidFill>
+      </p:bgPr>
+    </p:bg>
+    <p:spTree>
+      <p:nvGrpSpPr>
+        <p:cNvPr id="225" name="Shape 225"/>
+        <p:cNvGrpSpPr/>
+        <p:nvPr/>
+      </p:nvGrpSpPr>
+      <p:grpSpPr>
+        <a:xfrm>
+          <a:off x="0" y="0"/>
+          <a:ext cx="0" cy="0"/>
+          <a:chOff x="0" y="0"/>
+          <a:chExt cx="0" cy="0"/>
+        </a:xfrm>
+      </p:grpSpPr>
+      <p:sp>
+        <p:nvSpPr>
+          <p:cNvPr id="226" name="Google Shape;226;p23"/>
           <p:cNvSpPr txBox="1"/>
           <p:nvPr>
             <p:ph type="title"/>
@@ -10062,6 +10355,13 @@
 <file path=ppt/slides/slide2.xml><?xml version="1.0" encoding="utf-8"?>
 <p:sld xmlns:a="http://schemas.openxmlformats.org/drawingml/2006/main" xmlns:r="http://schemas.openxmlformats.org/officeDocument/2006/relationships" xmlns:mc="http://schemas.openxmlformats.org/markup-compatibility/2006" xmlns:mv="urn:schemas-microsoft-com:mac:vml" xmlns:p="http://schemas.openxmlformats.org/presentationml/2006/main" xmlns:c="http://schemas.openxmlformats.org/drawingml/2006/chart" xmlns:dgm="http://schemas.openxmlformats.org/drawingml/2006/diagram" xmlns:o="urn:schemas-microsoft-com:office:office" xmlns:v="urn:schemas-microsoft-com:vml" xmlns:pvml="urn:schemas-microsoft-com:office:powerpoint" xmlns:com="http://schemas.openxmlformats.org/drawingml/2006/compatibility" xmlns:p14="http://schemas.microsoft.com/office/powerpoint/2010/main" xmlns:p15="http://schemas.microsoft.com/office/powerpoint/2012/main" xmlns:ahyp="http://schemas.microsoft.com/office/drawing/2018/hyperlinkcolor">
   <p:cSld>
+    <p:bg>
+      <p:bgPr>
+        <a:solidFill>
+          <a:srgbClr val="20124D"/>
+        </a:solidFill>
+      </p:bgPr>
+    </p:bg>
     <p:spTree>
       <p:nvGrpSpPr>
         <p:cNvPr id="139" name="Shape 139"/>
@@ -10086,7 +10386,7 @@
         </p:nvSpPr>
         <p:spPr>
           <a:xfrm>
-            <a:off x="1297500" y="393750"/>
+            <a:off x="1297500" y="214425"/>
             <a:ext cx="7038900" cy="914100"/>
           </a:xfrm>
           <a:prstGeom prst="rect">
@@ -10109,10 +10409,10 @@
               <a:buNone/>
             </a:pPr>
             <a:r>
-              <a:rPr lang="it" sz="3600"/>
-              <a:t>Outline</a:t>
+              <a:rPr lang="it" sz="3100"/>
+              <a:t>Introduction</a:t>
             </a:r>
-            <a:endParaRPr sz="3600"/>
+            <a:endParaRPr sz="3100"/>
           </a:p>
         </p:txBody>
       </p:sp>
@@ -10120,18 +10420,20 @@
         <p:nvSpPr>
           <p:cNvPr id="141" name="Google Shape;141;p14"/>
           <p:cNvSpPr txBox="1"/>
-          <p:nvPr>
-            <p:ph idx="1" type="body"/>
-          </p:nvPr>
+          <p:nvPr/>
         </p:nvSpPr>
         <p:spPr>
           <a:xfrm>
-            <a:off x="1297500" y="1184450"/>
-            <a:ext cx="7038900" cy="3525000"/>
+            <a:off x="1259375" y="1168575"/>
+            <a:ext cx="7306200" cy="3551100"/>
           </a:xfrm>
           <a:prstGeom prst="rect">
             <a:avLst/>
           </a:prstGeom>
+          <a:noFill/>
+          <a:ln>
+            <a:noFill/>
+          </a:ln>
         </p:spPr>
         <p:txBody>
           <a:bodyPr anchorCtr="0" anchor="t" bIns="91425" lIns="91425" spcFirstLastPara="1" rIns="91425" wrap="square" tIns="91425">
@@ -10139,7 +10441,10 @@
           </a:bodyPr>
           <a:lstStyle/>
           <a:p>
-            <a:pPr indent="0" lvl="0" marL="0" rtl="0" algn="l">
+            <a:pPr indent="0" lvl="0" marL="0" rtl="0" algn="just">
+              <a:lnSpc>
+                <a:spcPct val="115000"/>
+              </a:lnSpc>
               <a:spcBef>
                 <a:spcPts val="0"/>
               </a:spcBef>
@@ -10149,13 +10454,32 @@
               <a:buNone/>
             </a:pPr>
             <a:r>
-              <a:rPr lang="it" sz="1700"/>
-              <a:t>-Introduction</a:t>
+              <a:rPr lang="it" sz="2100">
+                <a:solidFill>
+                  <a:schemeClr val="lt1"/>
+                </a:solidFill>
+                <a:latin typeface="Lato"/>
+                <a:ea typeface="Lato"/>
+                <a:cs typeface="Lato"/>
+                <a:sym typeface="Lato"/>
+              </a:rPr>
+              <a:t>The purpose of our project revolved around the studying of fishing ships activities in the Mediterranean Sea.</a:t>
             </a:r>
-            <a:endParaRPr sz="1700"/>
+            <a:endParaRPr sz="2100">
+              <a:solidFill>
+                <a:schemeClr val="lt1"/>
+              </a:solidFill>
+              <a:latin typeface="Lato"/>
+              <a:ea typeface="Lato"/>
+              <a:cs typeface="Lato"/>
+              <a:sym typeface="Lato"/>
+            </a:endParaRPr>
           </a:p>
           <a:p>
-            <a:pPr indent="0" lvl="0" marL="0" rtl="0" algn="l">
+            <a:pPr indent="0" lvl="0" marL="0" rtl="0" algn="just">
+              <a:lnSpc>
+                <a:spcPct val="115000"/>
+              </a:lnSpc>
               <a:spcBef>
                 <a:spcPts val="1600"/>
               </a:spcBef>
@@ -10165,90 +10489,58 @@
               <a:buNone/>
             </a:pPr>
             <a:r>
-              <a:rPr lang="it" sz="1700"/>
-              <a:t>-AIS data overview</a:t>
+              <a:rPr lang="it" sz="2100">
+                <a:solidFill>
+                  <a:schemeClr val="lt1"/>
+                </a:solidFill>
+                <a:latin typeface="Lato"/>
+                <a:ea typeface="Lato"/>
+                <a:cs typeface="Lato"/>
+                <a:sym typeface="Lato"/>
+              </a:rPr>
+              <a:t>We wanted to design a computer system able to classify the different type of fishing techniques adopted by several vessel.</a:t>
             </a:r>
-            <a:endParaRPr sz="1700"/>
+            <a:endParaRPr sz="2100">
+              <a:solidFill>
+                <a:schemeClr val="lt1"/>
+              </a:solidFill>
+              <a:latin typeface="Lato"/>
+              <a:ea typeface="Lato"/>
+              <a:cs typeface="Lato"/>
+              <a:sym typeface="Lato"/>
+            </a:endParaRPr>
           </a:p>
           <a:p>
-            <a:pPr indent="0" lvl="0" marL="0" rtl="0" algn="l">
+            <a:pPr indent="0" lvl="0" marL="0" rtl="0" algn="just">
+              <a:lnSpc>
+                <a:spcPct val="115000"/>
+              </a:lnSpc>
               <a:spcBef>
                 <a:spcPts val="1600"/>
               </a:spcBef>
               <a:spcAft>
-                <a:spcPts val="0"/>
+                <a:spcPts val="1600"/>
               </a:spcAft>
               <a:buNone/>
             </a:pPr>
             <a:r>
-              <a:rPr lang="it" sz="1700"/>
-              <a:t>-Technologies adopted</a:t>
+              <a:rPr lang="it" sz="2100">
+                <a:solidFill>
+                  <a:schemeClr val="lt1"/>
+                </a:solidFill>
+                <a:latin typeface="Lato"/>
+                <a:ea typeface="Lato"/>
+                <a:cs typeface="Lato"/>
+                <a:sym typeface="Lato"/>
+              </a:rPr>
+              <a:t>We did so by using the information gathered by the ships electronic equipment, also known as Automatic Identification System (AIS)</a:t>
             </a:r>
-            <a:endParaRPr sz="1700"/>
-          </a:p>
-          <a:p>
-            <a:pPr indent="0" lvl="0" marL="0" rtl="0" algn="l">
-              <a:spcBef>
-                <a:spcPts val="1600"/>
-              </a:spcBef>
-              <a:spcAft>
-                <a:spcPts val="0"/>
-              </a:spcAft>
-              <a:buNone/>
-            </a:pPr>
-            <a:r>
-              <a:rPr lang="it" sz="1700"/>
-              <a:t>-Dataset structure</a:t>
-            </a:r>
-            <a:endParaRPr sz="1700"/>
-          </a:p>
-          <a:p>
-            <a:pPr indent="0" lvl="0" marL="0" rtl="0" algn="l">
-              <a:spcBef>
-                <a:spcPts val="1600"/>
-              </a:spcBef>
-              <a:spcAft>
-                <a:spcPts val="0"/>
-              </a:spcAft>
-              <a:buNone/>
-            </a:pPr>
-            <a:r>
-              <a:rPr lang="it" sz="1700"/>
-              <a:t>-Multi-class time series structure</a:t>
-            </a:r>
-            <a:endParaRPr sz="1700"/>
-          </a:p>
-          <a:p>
-            <a:pPr indent="0" lvl="0" marL="0" rtl="0" algn="l">
-              <a:spcBef>
-                <a:spcPts val="1600"/>
-              </a:spcBef>
-              <a:spcAft>
-                <a:spcPts val="0"/>
-              </a:spcAft>
-              <a:buNone/>
-            </a:pPr>
-            <a:r>
-              <a:rPr lang="it" sz="1700"/>
-              <a:t>-Neural networks</a:t>
-            </a:r>
-            <a:endParaRPr sz="1700"/>
-          </a:p>
-          <a:p>
-            <a:pPr indent="0" lvl="0" marL="0" rtl="0" algn="l">
-              <a:spcBef>
-                <a:spcPts val="1600"/>
-              </a:spcBef>
-              <a:spcAft>
-                <a:spcPts val="1600"/>
-              </a:spcAft>
-              <a:buNone/>
-            </a:pPr>
-            <a:r>
-              <a:rPr lang="it" sz="1700"/>
-              <a:t>-Conclusion</a:t>
-            </a:r>
-            <a:endParaRPr sz="1700"/>
+            <a:endParaRPr>
+              <a:latin typeface="Lato"/>
+              <a:ea typeface="Lato"/>
+              <a:cs typeface="Lato"/>
+              <a:sym typeface="Lato"/>
+            </a:endParaRPr>
           </a:p>
         </p:txBody>
       </p:sp>
@@ -10263,6 +10555,13 @@
 <file path=ppt/slides/slide3.xml><?xml version="1.0" encoding="utf-8"?>
 <p:sld xmlns:a="http://schemas.openxmlformats.org/drawingml/2006/main" xmlns:r="http://schemas.openxmlformats.org/officeDocument/2006/relationships" xmlns:mc="http://schemas.openxmlformats.org/markup-compatibility/2006" xmlns:mv="urn:schemas-microsoft-com:mac:vml" xmlns:p="http://schemas.openxmlformats.org/presentationml/2006/main" xmlns:c="http://schemas.openxmlformats.org/drawingml/2006/chart" xmlns:dgm="http://schemas.openxmlformats.org/drawingml/2006/diagram" xmlns:o="urn:schemas-microsoft-com:office:office" xmlns:v="urn:schemas-microsoft-com:vml" xmlns:pvml="urn:schemas-microsoft-com:office:powerpoint" xmlns:com="http://schemas.openxmlformats.org/drawingml/2006/compatibility" xmlns:p14="http://schemas.microsoft.com/office/powerpoint/2010/main" xmlns:p15="http://schemas.microsoft.com/office/powerpoint/2012/main" xmlns:ahyp="http://schemas.microsoft.com/office/drawing/2018/hyperlinkcolor">
   <p:cSld>
+    <p:bg>
+      <p:bgPr>
+        <a:solidFill>
+          <a:srgbClr val="20124D"/>
+        </a:solidFill>
+      </p:bgPr>
+    </p:bg>
     <p:spTree>
       <p:nvGrpSpPr>
         <p:cNvPr id="145" name="Shape 145"/>
@@ -10287,8 +10586,8 @@
         </p:nvSpPr>
         <p:spPr>
           <a:xfrm>
-            <a:off x="1297500" y="214425"/>
-            <a:ext cx="7038900" cy="914100"/>
+            <a:off x="1297500" y="393750"/>
+            <a:ext cx="7038900" cy="730200"/>
           </a:xfrm>
           <a:prstGeom prst="rect">
             <a:avLst/>
@@ -10310,37 +10609,170 @@
               <a:buNone/>
             </a:pPr>
             <a:r>
-              <a:rPr lang="it" sz="3100"/>
-              <a:t>Introduction</a:t>
+              <a:rPr lang="it"/>
+              <a:t>Fishing gear and techniques to classify</a:t>
             </a:r>
-            <a:endParaRPr sz="3100"/>
+            <a:endParaRPr/>
           </a:p>
         </p:txBody>
       </p:sp>
-      <p:sp>
-        <p:nvSpPr>
+      <p:pic>
+        <p:nvPicPr>
           <p:cNvPr id="147" name="Google Shape;147;p15"/>
-          <p:cNvSpPr txBox="1"/>
-          <p:nvPr>
-            <p:ph idx="1" type="body"/>
-          </p:nvPr>
-        </p:nvSpPr>
+          <p:cNvPicPr preferRelativeResize="0"/>
+          <p:nvPr/>
+        </p:nvPicPr>
+        <p:blipFill>
+          <a:blip r:embed="rId3">
+            <a:alphaModFix/>
+          </a:blip>
+          <a:stretch>
+            <a:fillRect/>
+          </a:stretch>
+        </p:blipFill>
         <p:spPr>
           <a:xfrm>
-            <a:off x="1297500" y="1033175"/>
-            <a:ext cx="7038900" cy="3684300"/>
+            <a:off x="3065726" y="1717524"/>
+            <a:ext cx="2807834" cy="1400400"/>
           </a:xfrm>
           <a:prstGeom prst="rect">
             <a:avLst/>
           </a:prstGeom>
-          <a:ln cap="flat" cmpd="sng" w="9525">
-            <a:solidFill>
-              <a:srgbClr val="FFFFFF"/>
-            </a:solidFill>
-            <a:prstDash val="solid"/>
-            <a:round/>
-            <a:headEnd len="sm" w="sm" type="none"/>
-            <a:tailEnd len="sm" w="sm" type="none"/>
+          <a:noFill/>
+          <a:ln>
+            <a:noFill/>
+          </a:ln>
+        </p:spPr>
+      </p:pic>
+      <p:pic>
+        <p:nvPicPr>
+          <p:cNvPr id="148" name="Google Shape;148;p15"/>
+          <p:cNvPicPr preferRelativeResize="0"/>
+          <p:nvPr/>
+        </p:nvPicPr>
+        <p:blipFill>
+          <a:blip r:embed="rId4">
+            <a:alphaModFix/>
+          </a:blip>
+          <a:stretch>
+            <a:fillRect/>
+          </a:stretch>
+        </p:blipFill>
+        <p:spPr>
+          <a:xfrm>
+            <a:off x="235851" y="1750550"/>
+            <a:ext cx="2619540" cy="1329850"/>
+          </a:xfrm>
+          <a:prstGeom prst="rect">
+            <a:avLst/>
+          </a:prstGeom>
+          <a:noFill/>
+          <a:ln>
+            <a:noFill/>
+          </a:ln>
+        </p:spPr>
+      </p:pic>
+      <p:pic>
+        <p:nvPicPr>
+          <p:cNvPr id="149" name="Google Shape;149;p15"/>
+          <p:cNvPicPr preferRelativeResize="0"/>
+          <p:nvPr/>
+        </p:nvPicPr>
+        <p:blipFill>
+          <a:blip r:embed="rId5">
+            <a:alphaModFix/>
+          </a:blip>
+          <a:stretch>
+            <a:fillRect/>
+          </a:stretch>
+        </p:blipFill>
+        <p:spPr>
+          <a:xfrm>
+            <a:off x="6092225" y="1716825"/>
+            <a:ext cx="2873400" cy="1400400"/>
+          </a:xfrm>
+          <a:prstGeom prst="rect">
+            <a:avLst/>
+          </a:prstGeom>
+          <a:noFill/>
+          <a:ln>
+            <a:noFill/>
+          </a:ln>
+        </p:spPr>
+      </p:pic>
+      <p:pic>
+        <p:nvPicPr>
+          <p:cNvPr id="150" name="Google Shape;150;p15"/>
+          <p:cNvPicPr preferRelativeResize="0"/>
+          <p:nvPr/>
+        </p:nvPicPr>
+        <p:blipFill>
+          <a:blip r:embed="rId6">
+            <a:alphaModFix/>
+          </a:blip>
+          <a:stretch>
+            <a:fillRect/>
+          </a:stretch>
+        </p:blipFill>
+        <p:spPr>
+          <a:xfrm>
+            <a:off x="250900" y="3565337"/>
+            <a:ext cx="2440400" cy="1329826"/>
+          </a:xfrm>
+          <a:prstGeom prst="rect">
+            <a:avLst/>
+          </a:prstGeom>
+          <a:noFill/>
+          <a:ln>
+            <a:noFill/>
+          </a:ln>
+        </p:spPr>
+      </p:pic>
+      <p:pic>
+        <p:nvPicPr>
+          <p:cNvPr id="151" name="Google Shape;151;p15"/>
+          <p:cNvPicPr preferRelativeResize="0"/>
+          <p:nvPr/>
+        </p:nvPicPr>
+        <p:blipFill>
+          <a:blip r:embed="rId7">
+            <a:alphaModFix/>
+          </a:blip>
+          <a:stretch>
+            <a:fillRect/>
+          </a:stretch>
+        </p:blipFill>
+        <p:spPr>
+          <a:xfrm>
+            <a:off x="3091250" y="3565325"/>
+            <a:ext cx="3215679" cy="1329850"/>
+          </a:xfrm>
+          <a:prstGeom prst="rect">
+            <a:avLst/>
+          </a:prstGeom>
+          <a:noFill/>
+          <a:ln>
+            <a:noFill/>
+          </a:ln>
+        </p:spPr>
+      </p:pic>
+      <p:sp>
+        <p:nvSpPr>
+          <p:cNvPr id="152" name="Google Shape;152;p15"/>
+          <p:cNvSpPr txBox="1"/>
+          <p:nvPr/>
+        </p:nvSpPr>
+        <p:spPr>
+          <a:xfrm>
+            <a:off x="174275" y="1358300"/>
+            <a:ext cx="2344800" cy="336300"/>
+          </a:xfrm>
+          <a:prstGeom prst="rect">
+            <a:avLst/>
+          </a:prstGeom>
+          <a:noFill/>
+          <a:ln>
+            <a:noFill/>
           </a:ln>
         </p:spPr>
         <p:txBody>
@@ -10349,7 +10781,7 @@
           </a:bodyPr>
           <a:lstStyle/>
           <a:p>
-            <a:pPr indent="0" lvl="0" marL="0" rtl="0" algn="just">
+            <a:pPr indent="0" lvl="0" marL="0" rtl="0" algn="l">
               <a:spcBef>
                 <a:spcPts val="0"/>
               </a:spcBef>
@@ -10359,15 +10791,57 @@
               <a:buNone/>
             </a:pPr>
             <a:r>
-              <a:rPr lang="it" sz="2100"/>
-              <a:t>The purpose of our project revolved around the studying of fishing ships activities in the Mediterranean Sea.</a:t>
+              <a:rPr lang="it" sz="1200">
+                <a:solidFill>
+                  <a:srgbClr val="FFFFFF"/>
+                </a:solidFill>
+                <a:latin typeface="Lato"/>
+                <a:ea typeface="Lato"/>
+                <a:cs typeface="Lato"/>
+                <a:sym typeface="Lato"/>
+              </a:rPr>
+              <a:t>Pelagic Pair Trawl (PTM)</a:t>
             </a:r>
-            <a:endParaRPr sz="2100"/>
+            <a:endParaRPr sz="1200">
+              <a:solidFill>
+                <a:srgbClr val="FFFFFF"/>
+              </a:solidFill>
+              <a:latin typeface="Lato"/>
+              <a:ea typeface="Lato"/>
+              <a:cs typeface="Lato"/>
+              <a:sym typeface="Lato"/>
+            </a:endParaRPr>
           </a:p>
+        </p:txBody>
+      </p:sp>
+      <p:sp>
+        <p:nvSpPr>
+          <p:cNvPr id="153" name="Google Shape;153;p15"/>
+          <p:cNvSpPr txBox="1"/>
+          <p:nvPr/>
+        </p:nvSpPr>
+        <p:spPr>
+          <a:xfrm>
+            <a:off x="174700" y="3213075"/>
+            <a:ext cx="1657200" cy="269100"/>
+          </a:xfrm>
+          <a:prstGeom prst="rect">
+            <a:avLst/>
+          </a:prstGeom>
+          <a:noFill/>
+          <a:ln>
+            <a:noFill/>
+          </a:ln>
+        </p:spPr>
+        <p:txBody>
+          <a:bodyPr anchorCtr="0" anchor="t" bIns="91425" lIns="91425" spcFirstLastPara="1" rIns="91425" wrap="square" tIns="91425">
+            <a:noAutofit/>
+          </a:bodyPr>
+          <a:lstStyle/>
           <a:p>
-            <a:pPr indent="0" lvl="0" marL="0" rtl="0" algn="just">
-              <a:spcBef>
-                <a:spcPts val="1600"/>
+            <a:pPr indent="0" lvl="0" marL="0" rtl="0" algn="l">
+              <a:spcBef>
+                <a:spcPts val="0"/>
               </a:spcBef>
               <a:spcAft>
                 <a:spcPts val="0"/>
@@ -10375,15 +10849,57 @@
               <a:buNone/>
             </a:pPr>
             <a:r>
-              <a:rPr lang="it" sz="2100"/>
-              <a:t>We wanted to design a computer system able to classify the different type of fishing techniques adopted by several vessel.</a:t>
+              <a:rPr lang="it" sz="1200">
+                <a:solidFill>
+                  <a:srgbClr val="FFFFFF"/>
+                </a:solidFill>
+                <a:latin typeface="Lato"/>
+                <a:ea typeface="Lato"/>
+                <a:cs typeface="Lato"/>
+                <a:sym typeface="Lato"/>
+              </a:rPr>
+              <a:t>Beam Trawl (TTB)</a:t>
             </a:r>
-            <a:endParaRPr sz="2100"/>
+            <a:endParaRPr sz="1200">
+              <a:solidFill>
+                <a:srgbClr val="FFFFFF"/>
+              </a:solidFill>
+              <a:latin typeface="Lato"/>
+              <a:ea typeface="Lato"/>
+              <a:cs typeface="Lato"/>
+              <a:sym typeface="Lato"/>
+            </a:endParaRPr>
           </a:p>
+        </p:txBody>
+      </p:sp>
+      <p:sp>
+        <p:nvSpPr>
+          <p:cNvPr id="154" name="Google Shape;154;p15"/>
+          <p:cNvSpPr txBox="1"/>
+          <p:nvPr/>
+        </p:nvSpPr>
+        <p:spPr>
+          <a:xfrm>
+            <a:off x="6016025" y="1336700"/>
+            <a:ext cx="1361400" cy="379500"/>
+          </a:xfrm>
+          <a:prstGeom prst="rect">
+            <a:avLst/>
+          </a:prstGeom>
+          <a:noFill/>
+          <a:ln>
+            <a:noFill/>
+          </a:ln>
+        </p:spPr>
+        <p:txBody>
+          <a:bodyPr anchorCtr="0" anchor="t" bIns="91425" lIns="91425" spcFirstLastPara="1" rIns="91425" wrap="square" tIns="91425">
+            <a:noAutofit/>
+          </a:bodyPr>
+          <a:lstStyle/>
           <a:p>
-            <a:pPr indent="0" lvl="0" marL="0" rtl="0" algn="just">
-              <a:spcBef>
-                <a:spcPts val="1600"/>
+            <a:pPr indent="0" lvl="0" marL="0" rtl="0" algn="l">
+              <a:spcBef>
+                <a:spcPts val="0"/>
               </a:spcBef>
               <a:spcAft>
                 <a:spcPts val="0"/>
@@ -10391,30 +10907,142 @@
               <a:buNone/>
             </a:pPr>
             <a:r>
-              <a:rPr lang="it" sz="2100"/>
-              <a:t>We did so by </a:t>
+              <a:rPr lang="it" sz="1200">
+                <a:solidFill>
+                  <a:srgbClr val="FFFFFF"/>
+                </a:solidFill>
+                <a:latin typeface="Lato"/>
+                <a:ea typeface="Lato"/>
+                <a:cs typeface="Lato"/>
+                <a:sym typeface="Lato"/>
+              </a:rPr>
+              <a:t>Long lines (LL)</a:t>
             </a:r>
-            <a:r>
-              <a:rPr lang="it" sz="2100"/>
-              <a:t>using the information gathered by the ships electronic equipment, also known as Automatic Identification System (AIS)</a:t>
-            </a:r>
-            <a:endParaRPr sz="1500"/>
+            <a:endParaRPr sz="1200">
+              <a:solidFill>
+                <a:srgbClr val="FFFFFF"/>
+              </a:solidFill>
+              <a:latin typeface="Lato"/>
+              <a:ea typeface="Lato"/>
+              <a:cs typeface="Lato"/>
+              <a:sym typeface="Lato"/>
+            </a:endParaRPr>
           </a:p>
+        </p:txBody>
+      </p:sp>
+      <p:sp>
+        <p:nvSpPr>
+          <p:cNvPr id="155" name="Google Shape;155;p15"/>
+          <p:cNvSpPr txBox="1"/>
+          <p:nvPr/>
+        </p:nvSpPr>
+        <p:spPr>
+          <a:xfrm>
+            <a:off x="2999400" y="3225200"/>
+            <a:ext cx="2085900" cy="336300"/>
+          </a:xfrm>
+          <a:prstGeom prst="rect">
+            <a:avLst/>
+          </a:prstGeom>
+          <a:noFill/>
+          <a:ln>
+            <a:noFill/>
+          </a:ln>
+        </p:spPr>
+        <p:txBody>
+          <a:bodyPr anchorCtr="0" anchor="t" bIns="91425" lIns="91425" spcFirstLastPara="1" rIns="91425" wrap="square" tIns="91425">
+            <a:noAutofit/>
+          </a:bodyPr>
+          <a:lstStyle/>
           <a:p>
             <a:pPr indent="0" lvl="0" marL="0" rtl="0" algn="l">
               <a:spcBef>
-                <a:spcPts val="1600"/>
-              </a:spcBef>
-              <a:spcAft>
-                <a:spcPts val="1600"/>
+                <a:spcPts val="0"/>
+              </a:spcBef>
+              <a:spcAft>
+                <a:spcPts val="0"/>
               </a:spcAft>
               <a:buNone/>
             </a:pPr>
             <a:r>
-              <a:rPr lang="it"/>
-              <a:t> </a:t>
+              <a:rPr lang="it" sz="1200">
+                <a:solidFill>
+                  <a:srgbClr val="FFFFFF"/>
+                </a:solidFill>
+                <a:latin typeface="Lato"/>
+                <a:ea typeface="Lato"/>
+                <a:cs typeface="Lato"/>
+                <a:sym typeface="Lato"/>
+              </a:rPr>
+              <a:t>Purse seine nets (PS)</a:t>
             </a:r>
-            <a:endParaRPr/>
+            <a:endParaRPr sz="1200">
+              <a:solidFill>
+                <a:srgbClr val="FFFFFF"/>
+              </a:solidFill>
+              <a:latin typeface="Lato"/>
+              <a:ea typeface="Lato"/>
+              <a:cs typeface="Lato"/>
+              <a:sym typeface="Lato"/>
+            </a:endParaRPr>
+          </a:p>
+        </p:txBody>
+      </p:sp>
+      <p:sp>
+        <p:nvSpPr>
+          <p:cNvPr id="156" name="Google Shape;156;p15"/>
+          <p:cNvSpPr txBox="1"/>
+          <p:nvPr/>
+        </p:nvSpPr>
+        <p:spPr>
+          <a:xfrm>
+            <a:off x="2987075" y="1315700"/>
+            <a:ext cx="1890900" cy="269100"/>
+          </a:xfrm>
+          <a:prstGeom prst="rect">
+            <a:avLst/>
+          </a:prstGeom>
+          <a:noFill/>
+          <a:ln>
+            <a:noFill/>
+          </a:ln>
+        </p:spPr>
+        <p:txBody>
+          <a:bodyPr anchorCtr="0" anchor="t" bIns="91425" lIns="91425" spcFirstLastPara="1" rIns="91425" wrap="square" tIns="91425">
+            <a:noAutofit/>
+          </a:bodyPr>
+          <a:lstStyle/>
+          <a:p>
+            <a:pPr indent="0" lvl="0" marL="0" rtl="0" algn="l">
+              <a:spcBef>
+                <a:spcPts val="0"/>
+              </a:spcBef>
+              <a:spcAft>
+                <a:spcPts val="0"/>
+              </a:spcAft>
+              <a:buNone/>
+            </a:pPr>
+            <a:r>
+              <a:rPr lang="it" sz="1200">
+                <a:solidFill>
+                  <a:srgbClr val="FFFFFF"/>
+                </a:solidFill>
+                <a:latin typeface="Lato"/>
+                <a:ea typeface="Lato"/>
+                <a:cs typeface="Lato"/>
+                <a:sym typeface="Lato"/>
+              </a:rPr>
+              <a:t>Bottom trawls (OTB)</a:t>
+            </a:r>
+            <a:endParaRPr sz="1200">
+              <a:solidFill>
+                <a:srgbClr val="FFFFFF"/>
+              </a:solidFill>
+              <a:latin typeface="Lato"/>
+              <a:ea typeface="Lato"/>
+              <a:cs typeface="Lato"/>
+              <a:sym typeface="Lato"/>
+            </a:endParaRPr>
           </a:p>
         </p:txBody>
       </p:sp>
@@ -10429,9 +11057,16 @@
 <file path=ppt/slides/slide4.xml><?xml version="1.0" encoding="utf-8"?>
 <p:sld xmlns:a="http://schemas.openxmlformats.org/drawingml/2006/main" xmlns:r="http://schemas.openxmlformats.org/officeDocument/2006/relationships" xmlns:mc="http://schemas.openxmlformats.org/markup-compatibility/2006" xmlns:mv="urn:schemas-microsoft-com:mac:vml" xmlns:p="http://schemas.openxmlformats.org/presentationml/2006/main" xmlns:c="http://schemas.openxmlformats.org/drawingml/2006/chart" xmlns:dgm="http://schemas.openxmlformats.org/drawingml/2006/diagram" xmlns:o="urn:schemas-microsoft-com:office:office" xmlns:v="urn:schemas-microsoft-com:vml" xmlns:pvml="urn:schemas-microsoft-com:office:powerpoint" xmlns:com="http://schemas.openxmlformats.org/drawingml/2006/compatibility" xmlns:p14="http://schemas.microsoft.com/office/powerpoint/2010/main" xmlns:p15="http://schemas.microsoft.com/office/powerpoint/2012/main" xmlns:ahyp="http://schemas.microsoft.com/office/drawing/2018/hyperlinkcolor">
   <p:cSld>
+    <p:bg>
+      <p:bgPr>
+        <a:solidFill>
+          <a:srgbClr val="20124D"/>
+        </a:solidFill>
+      </p:bgPr>
+    </p:bg>
     <p:spTree>
       <p:nvGrpSpPr>
-        <p:cNvPr id="151" name="Shape 151"/>
+        <p:cNvPr id="160" name="Shape 160"/>
         <p:cNvGrpSpPr/>
         <p:nvPr/>
       </p:nvGrpSpPr>
@@ -10445,7 +11080,7 @@
       </p:grpSpPr>
       <p:sp>
         <p:nvSpPr>
-          <p:cNvPr id="152" name="Google Shape;152;p16"/>
+          <p:cNvPr id="161" name="Google Shape;161;p16"/>
           <p:cNvSpPr txBox="1"/>
           <p:nvPr>
             <p:ph type="title"/>
@@ -10454,7 +11089,7 @@
         <p:spPr>
           <a:xfrm>
             <a:off x="1297500" y="385350"/>
-            <a:ext cx="7038900" cy="914100"/>
+            <a:ext cx="7038900" cy="579000"/>
           </a:xfrm>
           <a:prstGeom prst="rect">
             <a:avLst/>
@@ -10477,7 +11112,7 @@
             </a:pPr>
             <a:r>
               <a:rPr lang="it"/>
-              <a:t>AIS data overview</a:t>
+              <a:t>AIS data</a:t>
             </a:r>
             <a:endParaRPr/>
           </a:p>
@@ -10485,7 +11120,7 @@
       </p:sp>
       <p:sp>
         <p:nvSpPr>
-          <p:cNvPr id="153" name="Google Shape;153;p16"/>
+          <p:cNvPr id="162" name="Google Shape;162;p16"/>
           <p:cNvSpPr txBox="1"/>
           <p:nvPr>
             <p:ph idx="1" type="body"/>
@@ -10493,8 +11128,8 @@
         </p:nvSpPr>
         <p:spPr>
           <a:xfrm>
-            <a:off x="1297500" y="1023225"/>
-            <a:ext cx="7038900" cy="3455400"/>
+            <a:off x="1213450" y="894725"/>
+            <a:ext cx="3423600" cy="3966900"/>
           </a:xfrm>
           <a:prstGeom prst="rect">
             <a:avLst/>
@@ -10519,15 +11154,15 @@
               <a:buNone/>
             </a:pPr>
             <a:r>
-              <a:rPr lang="it" sz="2200">
+              <a:rPr lang="it" sz="1900">
                 <a:solidFill>
                   <a:srgbClr val="FFFFFF"/>
                 </a:solidFill>
               </a:rPr>
-              <a:t>The automatic tracking system uses transponders on ships and transmits every 5 minutes vessel’s </a:t>
+              <a:t>Ships are equipped with an automatic tracking system that uses transponders to transmits every 5 minutes vessel’s </a:t>
             </a:r>
             <a:r>
-              <a:rPr b="1" lang="it" sz="2200">
+              <a:rPr b="1" lang="it" sz="1900">
                 <a:solidFill>
                   <a:srgbClr val="FFFFFF"/>
                 </a:solidFill>
@@ -10535,7 +11170,7 @@
               <a:t>position</a:t>
             </a:r>
             <a:r>
-              <a:rPr lang="it" sz="2200">
+              <a:rPr lang="it" sz="1900">
                 <a:solidFill>
                   <a:srgbClr val="FFFFFF"/>
                 </a:solidFill>
@@ -10543,7 +11178,7 @@
               <a:t>, </a:t>
             </a:r>
             <a:r>
-              <a:rPr b="1" lang="it" sz="2200">
+              <a:rPr b="1" lang="it" sz="1900">
                 <a:solidFill>
                   <a:srgbClr val="FFFFFF"/>
                 </a:solidFill>
@@ -10551,14 +11186,14 @@
               <a:t>identity, speed, course</a:t>
             </a:r>
             <a:r>
-              <a:rPr lang="it" sz="2200">
+              <a:rPr lang="it" sz="1900">
                 <a:solidFill>
                   <a:srgbClr val="FFFFFF"/>
                 </a:solidFill>
               </a:rPr>
-              <a:t> and many other relevant information to all other AIS equipped vessels within range</a:t>
+              <a:t> and many other relevant information to all other AIS devices within range.</a:t>
             </a:r>
-            <a:endParaRPr sz="2200">
+            <a:endParaRPr sz="1900">
               <a:solidFill>
                 <a:srgbClr val="FFFFFF"/>
               </a:solidFill>
@@ -10578,12 +11213,7 @@
               <a:buNone/>
             </a:pPr>
             <a:r>
-              <a:rPr lang="it" sz="2200">
-                <a:solidFill>
-                  <a:srgbClr val="FFFFFF"/>
-                </a:solidFill>
-              </a:rPr>
-              <a:t>All this data is gathered in .csv files</a:t>
+              <a:t/>
             </a:r>
             <a:endParaRPr sz="2200">
               <a:solidFill>
@@ -10593,6 +11223,34 @@
           </a:p>
         </p:txBody>
       </p:sp>
+      <p:pic>
+        <p:nvPicPr>
+          <p:cNvPr id="163" name="Google Shape;163;p16"/>
+          <p:cNvPicPr preferRelativeResize="0"/>
+          <p:nvPr/>
+        </p:nvPicPr>
+        <p:blipFill>
+          <a:blip r:embed="rId3">
+            <a:alphaModFix/>
+          </a:blip>
+          <a:stretch>
+            <a:fillRect/>
+          </a:stretch>
+        </p:blipFill>
+        <p:spPr>
+          <a:xfrm>
+            <a:off x="4763050" y="1157700"/>
+            <a:ext cx="3881250" cy="2947575"/>
+          </a:xfrm>
+          <a:prstGeom prst="rect">
+            <a:avLst/>
+          </a:prstGeom>
+          <a:noFill/>
+          <a:ln>
+            <a:noFill/>
+          </a:ln>
+        </p:spPr>
+      </p:pic>
     </p:spTree>
   </p:cSld>
   <p:clrMapOvr>
@@ -10604,9 +11262,16 @@
 <file path=ppt/slides/slide5.xml><?xml version="1.0" encoding="utf-8"?>
 <p:sld xmlns:a="http://schemas.openxmlformats.org/drawingml/2006/main" xmlns:r="http://schemas.openxmlformats.org/officeDocument/2006/relationships" xmlns:mc="http://schemas.openxmlformats.org/markup-compatibility/2006" xmlns:mv="urn:schemas-microsoft-com:mac:vml" xmlns:p="http://schemas.openxmlformats.org/presentationml/2006/main" xmlns:c="http://schemas.openxmlformats.org/drawingml/2006/chart" xmlns:dgm="http://schemas.openxmlformats.org/drawingml/2006/diagram" xmlns:o="urn:schemas-microsoft-com:office:office" xmlns:v="urn:schemas-microsoft-com:vml" xmlns:pvml="urn:schemas-microsoft-com:office:powerpoint" xmlns:com="http://schemas.openxmlformats.org/drawingml/2006/compatibility" xmlns:p14="http://schemas.microsoft.com/office/powerpoint/2010/main" xmlns:p15="http://schemas.microsoft.com/office/powerpoint/2012/main" xmlns:ahyp="http://schemas.microsoft.com/office/drawing/2018/hyperlinkcolor">
   <p:cSld>
+    <p:bg>
+      <p:bgPr>
+        <a:solidFill>
+          <a:srgbClr val="20124D"/>
+        </a:solidFill>
+      </p:bgPr>
+    </p:bg>
     <p:spTree>
       <p:nvGrpSpPr>
-        <p:cNvPr id="157" name="Shape 157"/>
+        <p:cNvPr id="167" name="Shape 167"/>
         <p:cNvGrpSpPr/>
         <p:nvPr/>
       </p:nvGrpSpPr>
@@ -10620,7 +11285,7 @@
       </p:grpSpPr>
       <p:sp>
         <p:nvSpPr>
-          <p:cNvPr id="158" name="Google Shape;158;p17"/>
+          <p:cNvPr id="168" name="Google Shape;168;p17"/>
           <p:cNvSpPr txBox="1"/>
           <p:nvPr>
             <p:ph type="title"/>
@@ -10660,7 +11325,7 @@
       </p:sp>
       <p:sp>
         <p:nvSpPr>
-          <p:cNvPr id="159" name="Google Shape;159;p17"/>
+          <p:cNvPr id="169" name="Google Shape;169;p17"/>
           <p:cNvSpPr txBox="1"/>
           <p:nvPr>
             <p:ph idx="1" type="body"/>
@@ -10759,7 +11424,7 @@
       </p:sp>
       <p:pic>
         <p:nvPicPr>
-          <p:cNvPr id="160" name="Google Shape;160;p17"/>
+          <p:cNvPr id="170" name="Google Shape;170;p17"/>
           <p:cNvPicPr preferRelativeResize="0"/>
           <p:nvPr/>
         </p:nvPicPr>
@@ -10787,7 +11452,7 @@
       </p:pic>
       <p:pic>
         <p:nvPicPr>
-          <p:cNvPr id="161" name="Google Shape;161;p17"/>
+          <p:cNvPr id="171" name="Google Shape;171;p17"/>
           <p:cNvPicPr preferRelativeResize="0"/>
           <p:nvPr/>
         </p:nvPicPr>
@@ -10815,7 +11480,7 @@
       </p:pic>
       <p:pic>
         <p:nvPicPr>
-          <p:cNvPr id="162" name="Google Shape;162;p17"/>
+          <p:cNvPr id="172" name="Google Shape;172;p17"/>
           <p:cNvPicPr preferRelativeResize="0"/>
           <p:nvPr/>
         </p:nvPicPr>
@@ -10852,9 +11517,16 @@
 <file path=ppt/slides/slide6.xml><?xml version="1.0" encoding="utf-8"?>
 <p:sld xmlns:a="http://schemas.openxmlformats.org/drawingml/2006/main" xmlns:r="http://schemas.openxmlformats.org/officeDocument/2006/relationships" xmlns:mc="http://schemas.openxmlformats.org/markup-compatibility/2006" xmlns:mv="urn:schemas-microsoft-com:mac:vml" xmlns:p="http://schemas.openxmlformats.org/presentationml/2006/main" xmlns:c="http://schemas.openxmlformats.org/drawingml/2006/chart" xmlns:dgm="http://schemas.openxmlformats.org/drawingml/2006/diagram" xmlns:o="urn:schemas-microsoft-com:office:office" xmlns:v="urn:schemas-microsoft-com:vml" xmlns:pvml="urn:schemas-microsoft-com:office:powerpoint" xmlns:com="http://schemas.openxmlformats.org/drawingml/2006/compatibility" xmlns:p14="http://schemas.microsoft.com/office/powerpoint/2010/main" xmlns:p15="http://schemas.microsoft.com/office/powerpoint/2012/main" xmlns:ahyp="http://schemas.microsoft.com/office/drawing/2018/hyperlinkcolor">
   <p:cSld>
+    <p:bg>
+      <p:bgPr>
+        <a:solidFill>
+          <a:srgbClr val="20124D"/>
+        </a:solidFill>
+      </p:bgPr>
+    </p:bg>
     <p:spTree>
       <p:nvGrpSpPr>
-        <p:cNvPr id="166" name="Shape 166"/>
+        <p:cNvPr id="176" name="Shape 176"/>
         <p:cNvGrpSpPr/>
         <p:nvPr/>
       </p:nvGrpSpPr>
@@ -10868,7 +11540,7 @@
       </p:grpSpPr>
       <p:sp>
         <p:nvSpPr>
-          <p:cNvPr id="167" name="Google Shape;167;p18"/>
+          <p:cNvPr id="177" name="Google Shape;177;p18"/>
           <p:cNvSpPr txBox="1"/>
           <p:nvPr>
             <p:ph type="title"/>
@@ -10908,7 +11580,7 @@
       </p:sp>
       <p:sp>
         <p:nvSpPr>
-          <p:cNvPr id="168" name="Google Shape;168;p18"/>
+          <p:cNvPr id="178" name="Google Shape;178;p18"/>
           <p:cNvSpPr txBox="1"/>
           <p:nvPr>
             <p:ph idx="1" type="body"/>
@@ -10916,8 +11588,8 @@
         </p:nvSpPr>
         <p:spPr>
           <a:xfrm>
-            <a:off x="1297500" y="1000575"/>
-            <a:ext cx="7038900" cy="3651900"/>
+            <a:off x="1297500" y="1032125"/>
+            <a:ext cx="2437500" cy="417300"/>
           </a:xfrm>
           <a:prstGeom prst="rect">
             <a:avLst/>
@@ -10939,9 +11611,10 @@
               <a:buNone/>
             </a:pPr>
             <a:r>
-              <a:t/>
+              <a:rPr lang="it" sz="1000"/>
+              <a:t>session_per_gear.csv</a:t>
             </a:r>
-            <a:endParaRPr sz="1900"/>
+            <a:endParaRPr/>
           </a:p>
           <a:p>
             <a:pPr indent="0" lvl="0" marL="0" rtl="0" algn="just">
@@ -10962,7 +11635,7 @@
       </p:sp>
       <p:pic>
         <p:nvPicPr>
-          <p:cNvPr id="169" name="Google Shape;169;p18"/>
+          <p:cNvPr id="179" name="Google Shape;179;p18"/>
           <p:cNvPicPr preferRelativeResize="0"/>
           <p:nvPr/>
         </p:nvPicPr>
@@ -10976,7 +11649,7 @@
         </p:blipFill>
         <p:spPr>
           <a:xfrm>
-            <a:off x="1297502" y="1106152"/>
+            <a:off x="1297502" y="1334752"/>
             <a:ext cx="7038900" cy="1272633"/>
           </a:xfrm>
           <a:prstGeom prst="rect">
@@ -10990,7 +11663,7 @@
       </p:pic>
       <p:pic>
         <p:nvPicPr>
-          <p:cNvPr id="170" name="Google Shape;170;p18"/>
+          <p:cNvPr id="180" name="Google Shape;180;p18"/>
           <p:cNvPicPr preferRelativeResize="0"/>
           <p:nvPr/>
         </p:nvPicPr>
@@ -11004,7 +11677,7 @@
         </p:blipFill>
         <p:spPr>
           <a:xfrm>
-            <a:off x="28000" y="2799875"/>
+            <a:off x="28000" y="3409475"/>
             <a:ext cx="9087992" cy="1076325"/>
           </a:xfrm>
           <a:prstGeom prst="rect">
@@ -11016,20 +11689,291 @@
           </a:ln>
         </p:spPr>
       </p:pic>
+      <p:sp>
+        <p:nvSpPr>
+          <p:cNvPr id="181" name="Google Shape;181;p18"/>
+          <p:cNvSpPr txBox="1"/>
+          <p:nvPr/>
+        </p:nvSpPr>
+        <p:spPr>
+          <a:xfrm>
+            <a:off x="99000" y="3094700"/>
+            <a:ext cx="1958400" cy="225900"/>
+          </a:xfrm>
+          <a:prstGeom prst="rect">
+            <a:avLst/>
+          </a:prstGeom>
+          <a:noFill/>
+          <a:ln>
+            <a:noFill/>
+          </a:ln>
+        </p:spPr>
+        <p:txBody>
+          <a:bodyPr anchorCtr="0" anchor="t" bIns="91425" lIns="91425" spcFirstLastPara="1" rIns="91425" wrap="square" tIns="91425">
+            <a:noAutofit/>
+          </a:bodyPr>
+          <a:lstStyle/>
+          <a:p>
+            <a:pPr indent="0" lvl="0" marL="0" rtl="0" algn="l">
+              <a:spcBef>
+                <a:spcPts val="0"/>
+              </a:spcBef>
+              <a:spcAft>
+                <a:spcPts val="0"/>
+              </a:spcAft>
+              <a:buNone/>
+            </a:pPr>
+            <a:r>
+              <a:rPr lang="it" sz="1100">
+                <a:solidFill>
+                  <a:srgbClr val="FFFFFF"/>
+                </a:solidFill>
+                <a:latin typeface="Lato"/>
+                <a:ea typeface="Lato"/>
+                <a:cs typeface="Lato"/>
+                <a:sym typeface="Lato"/>
+              </a:rPr>
+              <a:t>dataAIS.csv (dati raw)</a:t>
+            </a:r>
+            <a:endParaRPr sz="1100">
+              <a:solidFill>
+                <a:srgbClr val="FFFFFF"/>
+              </a:solidFill>
+              <a:latin typeface="Lato"/>
+              <a:ea typeface="Lato"/>
+              <a:cs typeface="Lato"/>
+              <a:sym typeface="Lato"/>
+            </a:endParaRPr>
+          </a:p>
+        </p:txBody>
+      </p:sp>
     </p:spTree>
   </p:cSld>
   <p:clrMapOvr>
     <a:masterClrMapping/>
   </p:clrMapOvr>
+  <p:timing>
+    <p:tnLst>
+      <p:par>
+        <p:cTn dur="indefinite" nodeType="tmRoot" restart="never">
+          <p:childTnLst>
+            <p:seq concurrent="1" nextAc="seek">
+              <p:cTn dur="indefinite" id="2" nodeType="mainSeq">
+                <p:childTnLst>
+                  <p:par>
+                    <p:cTn fill="hold">
+                      <p:stCondLst>
+                        <p:cond delay="indefinite"/>
+                      </p:stCondLst>
+                      <p:childTnLst>
+                        <p:par>
+                          <p:cTn fill="hold">
+                            <p:stCondLst>
+                              <p:cond delay="0"/>
+                            </p:stCondLst>
+                            <p:childTnLst>
+                              <p:par>
+                                <p:cTn fill="hold" nodeType="clickEffect" presetClass="entr" presetID="10" presetSubtype="0">
+                                  <p:stCondLst>
+                                    <p:cond delay="0"/>
+                                  </p:stCondLst>
+                                  <p:childTnLst>
+                                    <p:set>
+                                      <p:cBhvr>
+                                        <p:cTn dur="1" fill="hold">
+                                          <p:stCondLst>
+                                            <p:cond delay="0"/>
+                                          </p:stCondLst>
+                                        </p:cTn>
+                                        <p:tgtEl>
+                                          <p:spTgt spid="179"/>
+                                        </p:tgtEl>
+                                        <p:attrNameLst>
+                                          <p:attrName>style.visibility</p:attrName>
+                                        </p:attrNameLst>
+                                      </p:cBhvr>
+                                      <p:to>
+                                        <p:strVal val="visible"/>
+                                      </p:to>
+                                    </p:set>
+                                    <p:animEffect filter="fade" transition="in">
+                                      <p:cBhvr>
+                                        <p:cTn dur="1000"/>
+                                        <p:tgtEl>
+                                          <p:spTgt spid="179"/>
+                                        </p:tgtEl>
+                                      </p:cBhvr>
+                                    </p:animEffect>
+                                  </p:childTnLst>
+                                </p:cTn>
+                              </p:par>
+                              <p:par>
+                                <p:cTn fill="hold" nodeType="withEffect" presetClass="entr" presetID="10" presetSubtype="0">
+                                  <p:stCondLst>
+                                    <p:cond delay="0"/>
+                                  </p:stCondLst>
+                                  <p:childTnLst>
+                                    <p:set>
+                                      <p:cBhvr>
+                                        <p:cTn dur="1" fill="hold">
+                                          <p:stCondLst>
+                                            <p:cond delay="0"/>
+                                          </p:stCondLst>
+                                        </p:cTn>
+                                        <p:tgtEl>
+                                          <p:spTgt spid="178"/>
+                                        </p:tgtEl>
+                                        <p:attrNameLst>
+                                          <p:attrName>style.visibility</p:attrName>
+                                        </p:attrNameLst>
+                                      </p:cBhvr>
+                                      <p:to>
+                                        <p:strVal val="visible"/>
+                                      </p:to>
+                                    </p:set>
+                                    <p:animEffect filter="fade" transition="in">
+                                      <p:cBhvr>
+                                        <p:cTn dur="1000"/>
+                                        <p:tgtEl>
+                                          <p:spTgt spid="178"/>
+                                        </p:tgtEl>
+                                      </p:cBhvr>
+                                    </p:animEffect>
+                                  </p:childTnLst>
+                                </p:cTn>
+                              </p:par>
+                            </p:childTnLst>
+                          </p:cTn>
+                        </p:par>
+                      </p:childTnLst>
+                    </p:cTn>
+                  </p:par>
+                  <p:par>
+                    <p:cTn fill="hold">
+                      <p:stCondLst>
+                        <p:cond delay="indefinite"/>
+                      </p:stCondLst>
+                      <p:childTnLst>
+                        <p:par>
+                          <p:cTn fill="hold">
+                            <p:stCondLst>
+                              <p:cond delay="0"/>
+                            </p:stCondLst>
+                            <p:childTnLst>
+                              <p:par>
+                                <p:cTn fill="hold" nodeType="clickEffect" presetClass="entr" presetID="10" presetSubtype="0">
+                                  <p:stCondLst>
+                                    <p:cond delay="0"/>
+                                  </p:stCondLst>
+                                  <p:childTnLst>
+                                    <p:set>
+                                      <p:cBhvr>
+                                        <p:cTn dur="1" fill="hold">
+                                          <p:stCondLst>
+                                            <p:cond delay="0"/>
+                                          </p:stCondLst>
+                                        </p:cTn>
+                                        <p:tgtEl>
+                                          <p:spTgt spid="181"/>
+                                        </p:tgtEl>
+                                        <p:attrNameLst>
+                                          <p:attrName>style.visibility</p:attrName>
+                                        </p:attrNameLst>
+                                      </p:cBhvr>
+                                      <p:to>
+                                        <p:strVal val="visible"/>
+                                      </p:to>
+                                    </p:set>
+                                    <p:animEffect filter="fade" transition="in">
+                                      <p:cBhvr>
+                                        <p:cTn dur="1000"/>
+                                        <p:tgtEl>
+                                          <p:spTgt spid="181"/>
+                                        </p:tgtEl>
+                                      </p:cBhvr>
+                                    </p:animEffect>
+                                  </p:childTnLst>
+                                </p:cTn>
+                              </p:par>
+                              <p:par>
+                                <p:cTn fill="hold" nodeType="withEffect" presetClass="entr" presetID="10" presetSubtype="0">
+                                  <p:stCondLst>
+                                    <p:cond delay="0"/>
+                                  </p:stCondLst>
+                                  <p:childTnLst>
+                                    <p:set>
+                                      <p:cBhvr>
+                                        <p:cTn dur="1" fill="hold">
+                                          <p:stCondLst>
+                                            <p:cond delay="0"/>
+                                          </p:stCondLst>
+                                        </p:cTn>
+                                        <p:tgtEl>
+                                          <p:spTgt spid="180"/>
+                                        </p:tgtEl>
+                                        <p:attrNameLst>
+                                          <p:attrName>style.visibility</p:attrName>
+                                        </p:attrNameLst>
+                                      </p:cBhvr>
+                                      <p:to>
+                                        <p:strVal val="visible"/>
+                                      </p:to>
+                                    </p:set>
+                                    <p:animEffect filter="fade" transition="in">
+                                      <p:cBhvr>
+                                        <p:cTn dur="1000"/>
+                                        <p:tgtEl>
+                                          <p:spTgt spid="180"/>
+                                        </p:tgtEl>
+                                      </p:cBhvr>
+                                    </p:animEffect>
+                                  </p:childTnLst>
+                                </p:cTn>
+                              </p:par>
+                            </p:childTnLst>
+                          </p:cTn>
+                        </p:par>
+                      </p:childTnLst>
+                    </p:cTn>
+                  </p:par>
+                </p:childTnLst>
+              </p:cTn>
+              <p:prevCondLst>
+                <p:cond evt="onPrev">
+                  <p:tgtEl>
+                    <p:sldTgt/>
+                  </p:tgtEl>
+                </p:cond>
+              </p:prevCondLst>
+              <p:nextCondLst>
+                <p:cond evt="onNext">
+                  <p:tgtEl>
+                    <p:sldTgt/>
+                  </p:tgtEl>
+                </p:cond>
+              </p:nextCondLst>
+            </p:seq>
+          </p:childTnLst>
+        </p:cTn>
+      </p:par>
+    </p:tnLst>
+  </p:timing>
 </p:sld>
 </file>
 
 <file path=ppt/slides/slide7.xml><?xml version="1.0" encoding="utf-8"?>
 <p:sld xmlns:a="http://schemas.openxmlformats.org/drawingml/2006/main" xmlns:r="http://schemas.openxmlformats.org/officeDocument/2006/relationships" xmlns:mc="http://schemas.openxmlformats.org/markup-compatibility/2006" xmlns:mv="urn:schemas-microsoft-com:mac:vml" xmlns:p="http://schemas.openxmlformats.org/presentationml/2006/main" xmlns:c="http://schemas.openxmlformats.org/drawingml/2006/chart" xmlns:dgm="http://schemas.openxmlformats.org/drawingml/2006/diagram" xmlns:o="urn:schemas-microsoft-com:office:office" xmlns:v="urn:schemas-microsoft-com:vml" xmlns:pvml="urn:schemas-microsoft-com:office:powerpoint" xmlns:com="http://schemas.openxmlformats.org/drawingml/2006/compatibility" xmlns:p14="http://schemas.microsoft.com/office/powerpoint/2010/main" xmlns:p15="http://schemas.microsoft.com/office/powerpoint/2012/main" xmlns:ahyp="http://schemas.microsoft.com/office/drawing/2018/hyperlinkcolor">
   <p:cSld>
+    <p:bg>
+      <p:bgPr>
+        <a:solidFill>
+          <a:srgbClr val="20124D"/>
+        </a:solidFill>
+      </p:bgPr>
+    </p:bg>
     <p:spTree>
       <p:nvGrpSpPr>
-        <p:cNvPr id="174" name="Shape 174"/>
+        <p:cNvPr id="185" name="Shape 185"/>
         <p:cNvGrpSpPr/>
         <p:nvPr/>
       </p:nvGrpSpPr>
@@ -11043,7 +11987,7 @@
       </p:grpSpPr>
       <p:sp>
         <p:nvSpPr>
-          <p:cNvPr id="175" name="Google Shape;175;p19"/>
+          <p:cNvPr id="186" name="Google Shape;186;p19"/>
           <p:cNvSpPr txBox="1"/>
           <p:nvPr>
             <p:ph type="title"/>
@@ -11081,178 +12025,9 @@
           </a:p>
         </p:txBody>
       </p:sp>
-      <p:sp>
-        <p:nvSpPr>
-          <p:cNvPr id="176" name="Google Shape;176;p19"/>
-          <p:cNvSpPr txBox="1"/>
-          <p:nvPr>
-            <p:ph idx="1" type="body"/>
-          </p:nvPr>
-        </p:nvSpPr>
-        <p:spPr>
-          <a:xfrm>
-            <a:off x="1297500" y="739725"/>
-            <a:ext cx="7038900" cy="4157100"/>
-          </a:xfrm>
-          <a:prstGeom prst="rect">
-            <a:avLst/>
-          </a:prstGeom>
-        </p:spPr>
-        <p:txBody>
-          <a:bodyPr anchorCtr="0" anchor="t" bIns="91425" lIns="91425" spcFirstLastPara="1" rIns="91425" wrap="square" tIns="91425">
-            <a:noAutofit/>
-          </a:bodyPr>
-          <a:lstStyle/>
-          <a:p>
-            <a:pPr indent="0" lvl="0" marL="0" rtl="0" algn="l">
-              <a:spcBef>
-                <a:spcPts val="0"/>
-              </a:spcBef>
-              <a:spcAft>
-                <a:spcPts val="0"/>
-              </a:spcAft>
-              <a:buNone/>
-            </a:pPr>
-            <a:r>
-              <a:rPr lang="it"/>
-              <a:t>FULL TIME SERIES			              GROUND TRUTH</a:t>
-            </a:r>
-            <a:endParaRPr/>
-          </a:p>
-          <a:p>
-            <a:pPr indent="0" lvl="0" marL="0" rtl="0" algn="l">
-              <a:spcBef>
-                <a:spcPts val="1600"/>
-              </a:spcBef>
-              <a:spcAft>
-                <a:spcPts val="0"/>
-              </a:spcAft>
-              <a:buNone/>
-            </a:pPr>
-            <a:r>
-              <a:rPr lang="it"/>
-              <a:t>					     (training and testing sets)</a:t>
-            </a:r>
-            <a:endParaRPr/>
-          </a:p>
-          <a:p>
-            <a:pPr indent="0" lvl="0" marL="0" rtl="0" algn="l">
-              <a:spcBef>
-                <a:spcPts val="1600"/>
-              </a:spcBef>
-              <a:spcAft>
-                <a:spcPts val="0"/>
-              </a:spcAft>
-              <a:buNone/>
-            </a:pPr>
-            <a:r>
-              <a:t/>
-            </a:r>
-            <a:endParaRPr/>
-          </a:p>
-          <a:p>
-            <a:pPr indent="0" lvl="0" marL="0" rtl="0" algn="l">
-              <a:spcBef>
-                <a:spcPts val="1600"/>
-              </a:spcBef>
-              <a:spcAft>
-                <a:spcPts val="0"/>
-              </a:spcAft>
-              <a:buNone/>
-            </a:pPr>
-            <a:r>
-              <a:t/>
-            </a:r>
-            <a:endParaRPr/>
-          </a:p>
-          <a:p>
-            <a:pPr indent="0" lvl="0" marL="0" rtl="0" algn="l">
-              <a:spcBef>
-                <a:spcPts val="1600"/>
-              </a:spcBef>
-              <a:spcAft>
-                <a:spcPts val="0"/>
-              </a:spcAft>
-              <a:buNone/>
-            </a:pPr>
-            <a:r>
-              <a:rPr lang="it"/>
-              <a:t>					FEATURES USED (SPEED-COURSE-LATITUD-LONGIT)</a:t>
-            </a:r>
-            <a:endParaRPr/>
-          </a:p>
-          <a:p>
-            <a:pPr indent="0" lvl="0" marL="0" rtl="0" algn="l">
-              <a:spcBef>
-                <a:spcPts val="1600"/>
-              </a:spcBef>
-              <a:spcAft>
-                <a:spcPts val="0"/>
-              </a:spcAft>
-              <a:buNone/>
-            </a:pPr>
-            <a:r>
-              <a:t/>
-            </a:r>
-            <a:endParaRPr/>
-          </a:p>
-          <a:p>
-            <a:pPr indent="0" lvl="0" marL="0" rtl="0" algn="l">
-              <a:spcBef>
-                <a:spcPts val="1600"/>
-              </a:spcBef>
-              <a:spcAft>
-                <a:spcPts val="0"/>
-              </a:spcAft>
-              <a:buNone/>
-            </a:pPr>
-            <a:r>
-              <a:rPr lang="it" sz="1400"/>
-              <a:t>-Time series with different</a:t>
-            </a:r>
-            <a:endParaRPr sz="1400"/>
-          </a:p>
-          <a:p>
-            <a:pPr indent="0" lvl="0" marL="0" rtl="0" algn="l">
-              <a:spcBef>
-                <a:spcPts val="1600"/>
-              </a:spcBef>
-              <a:spcAft>
-                <a:spcPts val="0"/>
-              </a:spcAft>
-              <a:buNone/>
-            </a:pPr>
-            <a:r>
-              <a:rPr lang="it" sz="1400"/>
-              <a:t>lenght</a:t>
-            </a:r>
-            <a:endParaRPr sz="1400"/>
-          </a:p>
-          <a:p>
-            <a:pPr indent="0" lvl="0" marL="0" rtl="0" algn="l">
-              <a:spcBef>
-                <a:spcPts val="1600"/>
-              </a:spcBef>
-              <a:spcAft>
-                <a:spcPts val="1600"/>
-              </a:spcAft>
-              <a:buNone/>
-            </a:pPr>
-            <a:r>
-              <a:rPr lang="it" sz="1400"/>
-              <a:t>-</a:t>
-            </a:r>
-            <a:r>
-              <a:rPr b="1" lang="it" sz="1400"/>
-              <a:t>Needs 0 padding</a:t>
-            </a:r>
-            <a:endParaRPr b="1" sz="1400"/>
-          </a:p>
-        </p:txBody>
-      </p:sp>
       <p:pic>
         <p:nvPicPr>
-          <p:cNvPr id="177" name="Google Shape;177;p19"/>
+          <p:cNvPr id="187" name="Google Shape;187;p19"/>
           <p:cNvPicPr preferRelativeResize="0"/>
           <p:nvPr/>
         </p:nvPicPr>
@@ -11266,7 +12041,7 @@
         </p:blipFill>
         <p:spPr>
           <a:xfrm>
-            <a:off x="1398379" y="1079604"/>
+            <a:off x="1398379" y="1003404"/>
             <a:ext cx="1793200" cy="1817600"/>
           </a:xfrm>
           <a:prstGeom prst="rect">
@@ -11280,7 +12055,7 @@
       </p:pic>
       <p:pic>
         <p:nvPicPr>
-          <p:cNvPr id="178" name="Google Shape;178;p19"/>
+          <p:cNvPr id="188" name="Google Shape;188;p19"/>
           <p:cNvPicPr preferRelativeResize="0"/>
           <p:nvPr/>
         </p:nvPicPr>
@@ -11308,7 +12083,7 @@
       </p:pic>
       <p:pic>
         <p:nvPicPr>
-          <p:cNvPr id="179" name="Google Shape;179;p19"/>
+          <p:cNvPr id="189" name="Google Shape;189;p19"/>
           <p:cNvPicPr preferRelativeResize="0"/>
           <p:nvPr/>
         </p:nvPicPr>
@@ -11336,7 +12111,7 @@
       </p:pic>
       <p:pic>
         <p:nvPicPr>
-          <p:cNvPr id="180" name="Google Shape;180;p19"/>
+          <p:cNvPr id="190" name="Google Shape;190;p19"/>
           <p:cNvPicPr preferRelativeResize="0"/>
           <p:nvPr/>
         </p:nvPicPr>
@@ -11364,7 +12139,7 @@
       </p:pic>
       <p:pic>
         <p:nvPicPr>
-          <p:cNvPr id="181" name="Google Shape;181;p19"/>
+          <p:cNvPr id="191" name="Google Shape;191;p19"/>
           <p:cNvPicPr preferRelativeResize="0"/>
           <p:nvPr/>
         </p:nvPicPr>
@@ -11392,7 +12167,7 @@
       </p:pic>
       <p:pic>
         <p:nvPicPr>
-          <p:cNvPr id="182" name="Google Shape;182;p19"/>
+          <p:cNvPr id="192" name="Google Shape;192;p19"/>
           <p:cNvPicPr preferRelativeResize="0"/>
           <p:nvPr/>
         </p:nvPicPr>
@@ -11420,7 +12195,7 @@
       </p:pic>
       <p:pic>
         <p:nvPicPr>
-          <p:cNvPr id="183" name="Google Shape;183;p19"/>
+          <p:cNvPr id="193" name="Google Shape;193;p19"/>
           <p:cNvPicPr preferRelativeResize="0"/>
           <p:nvPr/>
         </p:nvPicPr>
@@ -11446,20 +12221,1074 @@
           </a:ln>
         </p:spPr>
       </p:pic>
+      <p:sp>
+        <p:nvSpPr>
+          <p:cNvPr id="194" name="Google Shape;194;p19"/>
+          <p:cNvSpPr txBox="1"/>
+          <p:nvPr/>
+        </p:nvSpPr>
+        <p:spPr>
+          <a:xfrm>
+            <a:off x="1398375" y="681500"/>
+            <a:ext cx="1668000" cy="398100"/>
+          </a:xfrm>
+          <a:prstGeom prst="rect">
+            <a:avLst/>
+          </a:prstGeom>
+          <a:noFill/>
+          <a:ln>
+            <a:noFill/>
+          </a:ln>
+        </p:spPr>
+        <p:txBody>
+          <a:bodyPr anchorCtr="0" anchor="t" bIns="91425" lIns="91425" spcFirstLastPara="1" rIns="91425" wrap="square" tIns="91425">
+            <a:noAutofit/>
+          </a:bodyPr>
+          <a:lstStyle/>
+          <a:p>
+            <a:pPr indent="0" lvl="0" marL="0" rtl="0" algn="l">
+              <a:spcBef>
+                <a:spcPts val="0"/>
+              </a:spcBef>
+              <a:spcAft>
+                <a:spcPts val="0"/>
+              </a:spcAft>
+              <a:buNone/>
+            </a:pPr>
+            <a:r>
+              <a:rPr lang="it" sz="1300">
+                <a:solidFill>
+                  <a:srgbClr val="FFFFFF"/>
+                </a:solidFill>
+                <a:latin typeface="Lato"/>
+                <a:ea typeface="Lato"/>
+                <a:cs typeface="Lato"/>
+                <a:sym typeface="Lato"/>
+              </a:rPr>
+              <a:t>FULL TIME SERIES</a:t>
+            </a:r>
+            <a:endParaRPr sz="1300">
+              <a:solidFill>
+                <a:srgbClr val="FFFFFF"/>
+              </a:solidFill>
+              <a:latin typeface="Lato"/>
+              <a:ea typeface="Lato"/>
+              <a:cs typeface="Lato"/>
+              <a:sym typeface="Lato"/>
+            </a:endParaRPr>
+          </a:p>
+        </p:txBody>
+      </p:sp>
+      <p:sp>
+        <p:nvSpPr>
+          <p:cNvPr id="195" name="Google Shape;195;p19"/>
+          <p:cNvSpPr txBox="1"/>
+          <p:nvPr/>
+        </p:nvSpPr>
+        <p:spPr>
+          <a:xfrm>
+            <a:off x="3805350" y="757700"/>
+            <a:ext cx="2023200" cy="591900"/>
+          </a:xfrm>
+          <a:prstGeom prst="rect">
+            <a:avLst/>
+          </a:prstGeom>
+          <a:noFill/>
+          <a:ln>
+            <a:noFill/>
+          </a:ln>
+        </p:spPr>
+        <p:txBody>
+          <a:bodyPr anchorCtr="0" anchor="t" bIns="91425" lIns="91425" spcFirstLastPara="1" rIns="91425" wrap="square" tIns="91425">
+            <a:noAutofit/>
+          </a:bodyPr>
+          <a:lstStyle/>
+          <a:p>
+            <a:pPr indent="0" lvl="0" marL="0" rtl="0" algn="l">
+              <a:spcBef>
+                <a:spcPts val="0"/>
+              </a:spcBef>
+              <a:spcAft>
+                <a:spcPts val="0"/>
+              </a:spcAft>
+              <a:buNone/>
+            </a:pPr>
+            <a:r>
+              <a:rPr lang="it" sz="1300">
+                <a:solidFill>
+                  <a:srgbClr val="FFFFFF"/>
+                </a:solidFill>
+                <a:latin typeface="Lato"/>
+                <a:ea typeface="Lato"/>
+                <a:cs typeface="Lato"/>
+                <a:sym typeface="Lato"/>
+              </a:rPr>
+              <a:t>GROUND TRUTH</a:t>
+            </a:r>
+            <a:endParaRPr sz="1300">
+              <a:solidFill>
+                <a:srgbClr val="FFFFFF"/>
+              </a:solidFill>
+              <a:latin typeface="Lato"/>
+              <a:ea typeface="Lato"/>
+              <a:cs typeface="Lato"/>
+              <a:sym typeface="Lato"/>
+            </a:endParaRPr>
+          </a:p>
+          <a:p>
+            <a:pPr indent="0" lvl="0" marL="0" rtl="0" algn="l">
+              <a:spcBef>
+                <a:spcPts val="0"/>
+              </a:spcBef>
+              <a:spcAft>
+                <a:spcPts val="0"/>
+              </a:spcAft>
+              <a:buNone/>
+            </a:pPr>
+            <a:r>
+              <a:rPr lang="it" sz="1300">
+                <a:solidFill>
+                  <a:srgbClr val="FFFFFF"/>
+                </a:solidFill>
+                <a:latin typeface="Lato"/>
+                <a:ea typeface="Lato"/>
+                <a:cs typeface="Lato"/>
+                <a:sym typeface="Lato"/>
+              </a:rPr>
+              <a:t>(training and testing sets)</a:t>
+            </a:r>
+            <a:endParaRPr sz="1300">
+              <a:solidFill>
+                <a:srgbClr val="FFFFFF"/>
+              </a:solidFill>
+              <a:latin typeface="Lato"/>
+              <a:ea typeface="Lato"/>
+              <a:cs typeface="Lato"/>
+              <a:sym typeface="Lato"/>
+            </a:endParaRPr>
+          </a:p>
+        </p:txBody>
+      </p:sp>
+      <p:sp>
+        <p:nvSpPr>
+          <p:cNvPr id="196" name="Google Shape;196;p19"/>
+          <p:cNvSpPr txBox="1"/>
+          <p:nvPr/>
+        </p:nvSpPr>
+        <p:spPr>
+          <a:xfrm>
+            <a:off x="3398575" y="2606650"/>
+            <a:ext cx="4411800" cy="398100"/>
+          </a:xfrm>
+          <a:prstGeom prst="rect">
+            <a:avLst/>
+          </a:prstGeom>
+          <a:noFill/>
+          <a:ln>
+            <a:noFill/>
+          </a:ln>
+        </p:spPr>
+        <p:txBody>
+          <a:bodyPr anchorCtr="0" anchor="t" bIns="91425" lIns="91425" spcFirstLastPara="1" rIns="91425" wrap="square" tIns="91425">
+            <a:noAutofit/>
+          </a:bodyPr>
+          <a:lstStyle/>
+          <a:p>
+            <a:pPr indent="0" lvl="0" marL="0" rtl="0" algn="l">
+              <a:spcBef>
+                <a:spcPts val="0"/>
+              </a:spcBef>
+              <a:spcAft>
+                <a:spcPts val="0"/>
+              </a:spcAft>
+              <a:buNone/>
+            </a:pPr>
+            <a:r>
+              <a:rPr lang="it" sz="1300">
+                <a:solidFill>
+                  <a:srgbClr val="FFFFFF"/>
+                </a:solidFill>
+                <a:latin typeface="Lato"/>
+                <a:ea typeface="Lato"/>
+                <a:cs typeface="Lato"/>
+                <a:sym typeface="Lato"/>
+              </a:rPr>
+              <a:t>FEATURES USED (speed, course, latitude and longitude)</a:t>
+            </a:r>
+            <a:endParaRPr sz="1300">
+              <a:solidFill>
+                <a:srgbClr val="FFFFFF"/>
+              </a:solidFill>
+              <a:latin typeface="Lato"/>
+              <a:ea typeface="Lato"/>
+              <a:cs typeface="Lato"/>
+              <a:sym typeface="Lato"/>
+            </a:endParaRPr>
+          </a:p>
+        </p:txBody>
+      </p:sp>
+      <p:sp>
+        <p:nvSpPr>
+          <p:cNvPr id="197" name="Google Shape;197;p19"/>
+          <p:cNvSpPr txBox="1"/>
+          <p:nvPr/>
+        </p:nvSpPr>
+        <p:spPr>
+          <a:xfrm>
+            <a:off x="174325" y="3028400"/>
+            <a:ext cx="1721700" cy="591900"/>
+          </a:xfrm>
+          <a:prstGeom prst="rect">
+            <a:avLst/>
+          </a:prstGeom>
+          <a:noFill/>
+          <a:ln>
+            <a:noFill/>
+          </a:ln>
+        </p:spPr>
+        <p:txBody>
+          <a:bodyPr anchorCtr="0" anchor="t" bIns="91425" lIns="91425" spcFirstLastPara="1" rIns="91425" wrap="square" tIns="91425">
+            <a:noAutofit/>
+          </a:bodyPr>
+          <a:lstStyle/>
+          <a:p>
+            <a:pPr indent="0" lvl="0" marL="0" rtl="0" algn="l">
+              <a:spcBef>
+                <a:spcPts val="0"/>
+              </a:spcBef>
+              <a:spcAft>
+                <a:spcPts val="0"/>
+              </a:spcAft>
+              <a:buNone/>
+            </a:pPr>
+            <a:r>
+              <a:rPr lang="it" sz="1300">
+                <a:solidFill>
+                  <a:srgbClr val="FFFFFF"/>
+                </a:solidFill>
+                <a:latin typeface="Lato"/>
+                <a:ea typeface="Lato"/>
+                <a:cs typeface="Lato"/>
+                <a:sym typeface="Lato"/>
+              </a:rPr>
+              <a:t>Time series have different length</a:t>
+            </a:r>
+            <a:endParaRPr sz="1300">
+              <a:solidFill>
+                <a:srgbClr val="FFFFFF"/>
+              </a:solidFill>
+              <a:latin typeface="Lato"/>
+              <a:ea typeface="Lato"/>
+              <a:cs typeface="Lato"/>
+              <a:sym typeface="Lato"/>
+            </a:endParaRPr>
+          </a:p>
+        </p:txBody>
+      </p:sp>
+      <p:cxnSp>
+        <p:nvCxnSpPr>
+          <p:cNvPr id="198" name="Google Shape;198;p19"/>
+          <p:cNvCxnSpPr/>
+          <p:nvPr/>
+        </p:nvCxnSpPr>
+        <p:spPr>
+          <a:xfrm>
+            <a:off x="1573175" y="3299150"/>
+            <a:ext cx="1883100" cy="225900"/>
+          </a:xfrm>
+          <a:prstGeom prst="straightConnector1">
+            <a:avLst/>
+          </a:prstGeom>
+          <a:noFill/>
+          <a:ln cap="flat" cmpd="sng" w="38100">
+            <a:solidFill>
+              <a:srgbClr val="FF0000"/>
+            </a:solidFill>
+            <a:prstDash val="solid"/>
+            <a:round/>
+            <a:headEnd len="med" w="med" type="none"/>
+            <a:tailEnd len="med" w="med" type="triangle"/>
+          </a:ln>
+        </p:spPr>
+      </p:cxnSp>
+      <p:cxnSp>
+        <p:nvCxnSpPr>
+          <p:cNvPr id="199" name="Google Shape;199;p19"/>
+          <p:cNvCxnSpPr/>
+          <p:nvPr/>
+        </p:nvCxnSpPr>
+        <p:spPr>
+          <a:xfrm>
+            <a:off x="1035175" y="3544100"/>
+            <a:ext cx="333600" cy="453600"/>
+          </a:xfrm>
+          <a:prstGeom prst="straightConnector1">
+            <a:avLst/>
+          </a:prstGeom>
+          <a:noFill/>
+          <a:ln cap="flat" cmpd="sng" w="28575">
+            <a:solidFill>
+              <a:srgbClr val="FF0000"/>
+            </a:solidFill>
+            <a:prstDash val="solid"/>
+            <a:round/>
+            <a:headEnd len="med" w="med" type="none"/>
+            <a:tailEnd len="med" w="med" type="triangle"/>
+          </a:ln>
+        </p:spPr>
+      </p:cxnSp>
+      <p:pic>
+        <p:nvPicPr>
+          <p:cNvPr id="200" name="Google Shape;200;p19"/>
+          <p:cNvPicPr preferRelativeResize="0"/>
+          <p:nvPr/>
+        </p:nvPicPr>
+        <p:blipFill>
+          <a:blip r:embed="rId10">
+            <a:alphaModFix/>
+          </a:blip>
+          <a:stretch>
+            <a:fillRect/>
+          </a:stretch>
+        </p:blipFill>
+        <p:spPr>
+          <a:xfrm>
+            <a:off x="174325" y="4038000"/>
+            <a:ext cx="3224249" cy="1008900"/>
+          </a:xfrm>
+          <a:prstGeom prst="rect">
+            <a:avLst/>
+          </a:prstGeom>
+          <a:noFill/>
+          <a:ln>
+            <a:noFill/>
+          </a:ln>
+        </p:spPr>
+      </p:pic>
+      <p:sp>
+        <p:nvSpPr>
+          <p:cNvPr id="201" name="Google Shape;201;p19"/>
+          <p:cNvSpPr txBox="1"/>
+          <p:nvPr/>
+        </p:nvSpPr>
+        <p:spPr>
+          <a:xfrm>
+            <a:off x="1207325" y="3525050"/>
+            <a:ext cx="1032900" cy="301500"/>
+          </a:xfrm>
+          <a:prstGeom prst="rect">
+            <a:avLst/>
+          </a:prstGeom>
+          <a:noFill/>
+          <a:ln>
+            <a:noFill/>
+          </a:ln>
+        </p:spPr>
+        <p:txBody>
+          <a:bodyPr anchorCtr="0" anchor="t" bIns="91425" lIns="91425" spcFirstLastPara="1" rIns="91425" wrap="square" tIns="91425">
+            <a:noAutofit/>
+          </a:bodyPr>
+          <a:lstStyle/>
+          <a:p>
+            <a:pPr indent="0" lvl="0" marL="0" rtl="0" algn="l">
+              <a:spcBef>
+                <a:spcPts val="0"/>
+              </a:spcBef>
+              <a:spcAft>
+                <a:spcPts val="0"/>
+              </a:spcAft>
+              <a:buNone/>
+            </a:pPr>
+            <a:r>
+              <a:rPr lang="it" sz="1200">
+                <a:solidFill>
+                  <a:srgbClr val="FFFFFF"/>
+                </a:solidFill>
+                <a:latin typeface="Lato"/>
+                <a:ea typeface="Lato"/>
+                <a:cs typeface="Lato"/>
+                <a:sym typeface="Lato"/>
+              </a:rPr>
+              <a:t>Solution</a:t>
+            </a:r>
+            <a:endParaRPr sz="1000">
+              <a:solidFill>
+                <a:srgbClr val="FFFFFF"/>
+              </a:solidFill>
+              <a:latin typeface="Lato"/>
+              <a:ea typeface="Lato"/>
+              <a:cs typeface="Lato"/>
+              <a:sym typeface="Lato"/>
+            </a:endParaRPr>
+          </a:p>
+        </p:txBody>
+      </p:sp>
     </p:spTree>
   </p:cSld>
   <p:clrMapOvr>
     <a:masterClrMapping/>
   </p:clrMapOvr>
+  <p:timing>
+    <p:tnLst>
+      <p:par>
+        <p:cTn dur="indefinite" nodeType="tmRoot" restart="never">
+          <p:childTnLst>
+            <p:seq concurrent="1" nextAc="seek">
+              <p:cTn dur="indefinite" id="2" nodeType="mainSeq">
+                <p:childTnLst>
+                  <p:par>
+                    <p:cTn fill="hold">
+                      <p:stCondLst>
+                        <p:cond delay="indefinite"/>
+                      </p:stCondLst>
+                      <p:childTnLst>
+                        <p:par>
+                          <p:cTn fill="hold">
+                            <p:stCondLst>
+                              <p:cond delay="0"/>
+                            </p:stCondLst>
+                            <p:childTnLst>
+                              <p:par>
+                                <p:cTn fill="hold" nodeType="clickEffect" presetClass="entr" presetID="10" presetSubtype="0">
+                                  <p:stCondLst>
+                                    <p:cond delay="0"/>
+                                  </p:stCondLst>
+                                  <p:childTnLst>
+                                    <p:set>
+                                      <p:cBhvr>
+                                        <p:cTn dur="1" fill="hold">
+                                          <p:stCondLst>
+                                            <p:cond delay="0"/>
+                                          </p:stCondLst>
+                                        </p:cTn>
+                                        <p:tgtEl>
+                                          <p:spTgt spid="187"/>
+                                        </p:tgtEl>
+                                        <p:attrNameLst>
+                                          <p:attrName>style.visibility</p:attrName>
+                                        </p:attrNameLst>
+                                      </p:cBhvr>
+                                      <p:to>
+                                        <p:strVal val="visible"/>
+                                      </p:to>
+                                    </p:set>
+                                    <p:animEffect filter="fade" transition="in">
+                                      <p:cBhvr>
+                                        <p:cTn dur="1000"/>
+                                        <p:tgtEl>
+                                          <p:spTgt spid="187"/>
+                                        </p:tgtEl>
+                                      </p:cBhvr>
+                                    </p:animEffect>
+                                  </p:childTnLst>
+                                </p:cTn>
+                              </p:par>
+                              <p:par>
+                                <p:cTn fill="hold" nodeType="withEffect" presetClass="entr" presetID="10" presetSubtype="0">
+                                  <p:stCondLst>
+                                    <p:cond delay="0"/>
+                                  </p:stCondLst>
+                                  <p:childTnLst>
+                                    <p:set>
+                                      <p:cBhvr>
+                                        <p:cTn dur="1" fill="hold">
+                                          <p:stCondLst>
+                                            <p:cond delay="0"/>
+                                          </p:stCondLst>
+                                        </p:cTn>
+                                        <p:tgtEl>
+                                          <p:spTgt spid="194"/>
+                                        </p:tgtEl>
+                                        <p:attrNameLst>
+                                          <p:attrName>style.visibility</p:attrName>
+                                        </p:attrNameLst>
+                                      </p:cBhvr>
+                                      <p:to>
+                                        <p:strVal val="visible"/>
+                                      </p:to>
+                                    </p:set>
+                                    <p:animEffect filter="fade" transition="in">
+                                      <p:cBhvr>
+                                        <p:cTn dur="1000"/>
+                                        <p:tgtEl>
+                                          <p:spTgt spid="194"/>
+                                        </p:tgtEl>
+                                      </p:cBhvr>
+                                    </p:animEffect>
+                                  </p:childTnLst>
+                                </p:cTn>
+                              </p:par>
+                            </p:childTnLst>
+                          </p:cTn>
+                        </p:par>
+                      </p:childTnLst>
+                    </p:cTn>
+                  </p:par>
+                  <p:par>
+                    <p:cTn fill="hold">
+                      <p:stCondLst>
+                        <p:cond delay="indefinite"/>
+                      </p:stCondLst>
+                      <p:childTnLst>
+                        <p:par>
+                          <p:cTn fill="hold">
+                            <p:stCondLst>
+                              <p:cond delay="0"/>
+                            </p:stCondLst>
+                            <p:childTnLst>
+                              <p:par>
+                                <p:cTn fill="hold" nodeType="clickEffect" presetClass="entr" presetID="10" presetSubtype="0">
+                                  <p:stCondLst>
+                                    <p:cond delay="0"/>
+                                  </p:stCondLst>
+                                  <p:childTnLst>
+                                    <p:set>
+                                      <p:cBhvr>
+                                        <p:cTn dur="1" fill="hold">
+                                          <p:stCondLst>
+                                            <p:cond delay="0"/>
+                                          </p:stCondLst>
+                                        </p:cTn>
+                                        <p:tgtEl>
+                                          <p:spTgt spid="188"/>
+                                        </p:tgtEl>
+                                        <p:attrNameLst>
+                                          <p:attrName>style.visibility</p:attrName>
+                                        </p:attrNameLst>
+                                      </p:cBhvr>
+                                      <p:to>
+                                        <p:strVal val="visible"/>
+                                      </p:to>
+                                    </p:set>
+                                    <p:animEffect filter="fade" transition="in">
+                                      <p:cBhvr>
+                                        <p:cTn dur="1000"/>
+                                        <p:tgtEl>
+                                          <p:spTgt spid="188"/>
+                                        </p:tgtEl>
+                                      </p:cBhvr>
+                                    </p:animEffect>
+                                  </p:childTnLst>
+                                </p:cTn>
+                              </p:par>
+                              <p:par>
+                                <p:cTn fill="hold" nodeType="withEffect" presetClass="entr" presetID="10" presetSubtype="0">
+                                  <p:stCondLst>
+                                    <p:cond delay="0"/>
+                                  </p:stCondLst>
+                                  <p:childTnLst>
+                                    <p:set>
+                                      <p:cBhvr>
+                                        <p:cTn dur="1" fill="hold">
+                                          <p:stCondLst>
+                                            <p:cond delay="0"/>
+                                          </p:stCondLst>
+                                        </p:cTn>
+                                        <p:tgtEl>
+                                          <p:spTgt spid="191"/>
+                                        </p:tgtEl>
+                                        <p:attrNameLst>
+                                          <p:attrName>style.visibility</p:attrName>
+                                        </p:attrNameLst>
+                                      </p:cBhvr>
+                                      <p:to>
+                                        <p:strVal val="visible"/>
+                                      </p:to>
+                                    </p:set>
+                                    <p:animEffect filter="fade" transition="in">
+                                      <p:cBhvr>
+                                        <p:cTn dur="1000"/>
+                                        <p:tgtEl>
+                                          <p:spTgt spid="191"/>
+                                        </p:tgtEl>
+                                      </p:cBhvr>
+                                    </p:animEffect>
+                                  </p:childTnLst>
+                                </p:cTn>
+                              </p:par>
+                              <p:par>
+                                <p:cTn fill="hold" nodeType="withEffect" presetClass="entr" presetID="10" presetSubtype="0">
+                                  <p:stCondLst>
+                                    <p:cond delay="0"/>
+                                  </p:stCondLst>
+                                  <p:childTnLst>
+                                    <p:set>
+                                      <p:cBhvr>
+                                        <p:cTn dur="1" fill="hold">
+                                          <p:stCondLst>
+                                            <p:cond delay="0"/>
+                                          </p:stCondLst>
+                                        </p:cTn>
+                                        <p:tgtEl>
+                                          <p:spTgt spid="195"/>
+                                        </p:tgtEl>
+                                        <p:attrNameLst>
+                                          <p:attrName>style.visibility</p:attrName>
+                                        </p:attrNameLst>
+                                      </p:cBhvr>
+                                      <p:to>
+                                        <p:strVal val="visible"/>
+                                      </p:to>
+                                    </p:set>
+                                    <p:animEffect filter="fade" transition="in">
+                                      <p:cBhvr>
+                                        <p:cTn dur="1000"/>
+                                        <p:tgtEl>
+                                          <p:spTgt spid="195"/>
+                                        </p:tgtEl>
+                                      </p:cBhvr>
+                                    </p:animEffect>
+                                  </p:childTnLst>
+                                </p:cTn>
+                              </p:par>
+                            </p:childTnLst>
+                          </p:cTn>
+                        </p:par>
+                      </p:childTnLst>
+                    </p:cTn>
+                  </p:par>
+                  <p:par>
+                    <p:cTn fill="hold">
+                      <p:stCondLst>
+                        <p:cond delay="indefinite"/>
+                      </p:stCondLst>
+                      <p:childTnLst>
+                        <p:par>
+                          <p:cTn fill="hold">
+                            <p:stCondLst>
+                              <p:cond delay="0"/>
+                            </p:stCondLst>
+                            <p:childTnLst>
+                              <p:par>
+                                <p:cTn fill="hold" nodeType="clickEffect" presetClass="entr" presetID="10" presetSubtype="0">
+                                  <p:stCondLst>
+                                    <p:cond delay="0"/>
+                                  </p:stCondLst>
+                                  <p:childTnLst>
+                                    <p:set>
+                                      <p:cBhvr>
+                                        <p:cTn dur="1" fill="hold">
+                                          <p:stCondLst>
+                                            <p:cond delay="0"/>
+                                          </p:stCondLst>
+                                        </p:cTn>
+                                        <p:tgtEl>
+                                          <p:spTgt spid="190"/>
+                                        </p:tgtEl>
+                                        <p:attrNameLst>
+                                          <p:attrName>style.visibility</p:attrName>
+                                        </p:attrNameLst>
+                                      </p:cBhvr>
+                                      <p:to>
+                                        <p:strVal val="visible"/>
+                                      </p:to>
+                                    </p:set>
+                                    <p:animEffect filter="fade" transition="in">
+                                      <p:cBhvr>
+                                        <p:cTn dur="1000"/>
+                                        <p:tgtEl>
+                                          <p:spTgt spid="190"/>
+                                        </p:tgtEl>
+                                      </p:cBhvr>
+                                    </p:animEffect>
+                                  </p:childTnLst>
+                                </p:cTn>
+                              </p:par>
+                              <p:par>
+                                <p:cTn fill="hold" nodeType="withEffect" presetClass="entr" presetID="10" presetSubtype="0">
+                                  <p:stCondLst>
+                                    <p:cond delay="0"/>
+                                  </p:stCondLst>
+                                  <p:childTnLst>
+                                    <p:set>
+                                      <p:cBhvr>
+                                        <p:cTn dur="1" fill="hold">
+                                          <p:stCondLst>
+                                            <p:cond delay="0"/>
+                                          </p:stCondLst>
+                                        </p:cTn>
+                                        <p:tgtEl>
+                                          <p:spTgt spid="192"/>
+                                        </p:tgtEl>
+                                        <p:attrNameLst>
+                                          <p:attrName>style.visibility</p:attrName>
+                                        </p:attrNameLst>
+                                      </p:cBhvr>
+                                      <p:to>
+                                        <p:strVal val="visible"/>
+                                      </p:to>
+                                    </p:set>
+                                    <p:animEffect filter="fade" transition="in">
+                                      <p:cBhvr>
+                                        <p:cTn dur="1000"/>
+                                        <p:tgtEl>
+                                          <p:spTgt spid="192"/>
+                                        </p:tgtEl>
+                                      </p:cBhvr>
+                                    </p:animEffect>
+                                  </p:childTnLst>
+                                </p:cTn>
+                              </p:par>
+                              <p:par>
+                                <p:cTn fill="hold" nodeType="withEffect" presetClass="entr" presetID="10" presetSubtype="0">
+                                  <p:stCondLst>
+                                    <p:cond delay="0"/>
+                                  </p:stCondLst>
+                                  <p:childTnLst>
+                                    <p:set>
+                                      <p:cBhvr>
+                                        <p:cTn dur="1" fill="hold">
+                                          <p:stCondLst>
+                                            <p:cond delay="0"/>
+                                          </p:stCondLst>
+                                        </p:cTn>
+                                        <p:tgtEl>
+                                          <p:spTgt spid="193"/>
+                                        </p:tgtEl>
+                                        <p:attrNameLst>
+                                          <p:attrName>style.visibility</p:attrName>
+                                        </p:attrNameLst>
+                                      </p:cBhvr>
+                                      <p:to>
+                                        <p:strVal val="visible"/>
+                                      </p:to>
+                                    </p:set>
+                                    <p:animEffect filter="fade" transition="in">
+                                      <p:cBhvr>
+                                        <p:cTn dur="1000"/>
+                                        <p:tgtEl>
+                                          <p:spTgt spid="193"/>
+                                        </p:tgtEl>
+                                      </p:cBhvr>
+                                    </p:animEffect>
+                                  </p:childTnLst>
+                                </p:cTn>
+                              </p:par>
+                              <p:par>
+                                <p:cTn fill="hold" nodeType="withEffect" presetClass="entr" presetID="10" presetSubtype="0">
+                                  <p:stCondLst>
+                                    <p:cond delay="0"/>
+                                  </p:stCondLst>
+                                  <p:childTnLst>
+                                    <p:set>
+                                      <p:cBhvr>
+                                        <p:cTn dur="1" fill="hold">
+                                          <p:stCondLst>
+                                            <p:cond delay="0"/>
+                                          </p:stCondLst>
+                                        </p:cTn>
+                                        <p:tgtEl>
+                                          <p:spTgt spid="189"/>
+                                        </p:tgtEl>
+                                        <p:attrNameLst>
+                                          <p:attrName>style.visibility</p:attrName>
+                                        </p:attrNameLst>
+                                      </p:cBhvr>
+                                      <p:to>
+                                        <p:strVal val="visible"/>
+                                      </p:to>
+                                    </p:set>
+                                    <p:animEffect filter="fade" transition="in">
+                                      <p:cBhvr>
+                                        <p:cTn dur="1000"/>
+                                        <p:tgtEl>
+                                          <p:spTgt spid="189"/>
+                                        </p:tgtEl>
+                                      </p:cBhvr>
+                                    </p:animEffect>
+                                  </p:childTnLst>
+                                </p:cTn>
+                              </p:par>
+                              <p:par>
+                                <p:cTn fill="hold" nodeType="withEffect" presetClass="entr" presetID="10" presetSubtype="0">
+                                  <p:stCondLst>
+                                    <p:cond delay="0"/>
+                                  </p:stCondLst>
+                                  <p:childTnLst>
+                                    <p:set>
+                                      <p:cBhvr>
+                                        <p:cTn dur="1" fill="hold">
+                                          <p:stCondLst>
+                                            <p:cond delay="0"/>
+                                          </p:stCondLst>
+                                        </p:cTn>
+                                        <p:tgtEl>
+                                          <p:spTgt spid="196"/>
+                                        </p:tgtEl>
+                                        <p:attrNameLst>
+                                          <p:attrName>style.visibility</p:attrName>
+                                        </p:attrNameLst>
+                                      </p:cBhvr>
+                                      <p:to>
+                                        <p:strVal val="visible"/>
+                                      </p:to>
+                                    </p:set>
+                                    <p:animEffect filter="fade" transition="in">
+                                      <p:cBhvr>
+                                        <p:cTn dur="1000"/>
+                                        <p:tgtEl>
+                                          <p:spTgt spid="196"/>
+                                        </p:tgtEl>
+                                      </p:cBhvr>
+                                    </p:animEffect>
+                                  </p:childTnLst>
+                                </p:cTn>
+                              </p:par>
+                            </p:childTnLst>
+                          </p:cTn>
+                        </p:par>
+                      </p:childTnLst>
+                    </p:cTn>
+                  </p:par>
+                  <p:par>
+                    <p:cTn fill="hold">
+                      <p:stCondLst>
+                        <p:cond delay="indefinite"/>
+                      </p:stCondLst>
+                      <p:childTnLst>
+                        <p:par>
+                          <p:cTn fill="hold">
+                            <p:stCondLst>
+                              <p:cond delay="0"/>
+                            </p:stCondLst>
+                            <p:childTnLst>
+                              <p:par>
+                                <p:cTn fill="hold" nodeType="clickEffect" presetClass="entr" presetID="10" presetSubtype="0">
+                                  <p:stCondLst>
+                                    <p:cond delay="0"/>
+                                  </p:stCondLst>
+                                  <p:childTnLst>
+                                    <p:set>
+                                      <p:cBhvr>
+                                        <p:cTn dur="1" fill="hold">
+                                          <p:stCondLst>
+                                            <p:cond delay="0"/>
+                                          </p:stCondLst>
+                                        </p:cTn>
+                                        <p:tgtEl>
+                                          <p:spTgt spid="198"/>
+                                        </p:tgtEl>
+                                        <p:attrNameLst>
+                                          <p:attrName>style.visibility</p:attrName>
+                                        </p:attrNameLst>
+                                      </p:cBhvr>
+                                      <p:to>
+                                        <p:strVal val="visible"/>
+                                      </p:to>
+                                    </p:set>
+                                    <p:animEffect filter="fade" transition="in">
+                                      <p:cBhvr>
+                                        <p:cTn dur="1000"/>
+                                        <p:tgtEl>
+                                          <p:spTgt spid="198"/>
+                                        </p:tgtEl>
+                                      </p:cBhvr>
+                                    </p:animEffect>
+                                  </p:childTnLst>
+                                </p:cTn>
+                              </p:par>
+                              <p:par>
+                                <p:cTn fill="hold" nodeType="withEffect" presetClass="entr" presetID="10" presetSubtype="0">
+                                  <p:stCondLst>
+                                    <p:cond delay="0"/>
+                                  </p:stCondLst>
+                                  <p:childTnLst>
+                                    <p:set>
+                                      <p:cBhvr>
+                                        <p:cTn dur="1" fill="hold">
+                                          <p:stCondLst>
+                                            <p:cond delay="0"/>
+                                          </p:stCondLst>
+                                        </p:cTn>
+                                        <p:tgtEl>
+                                          <p:spTgt spid="197"/>
+                                        </p:tgtEl>
+                                        <p:attrNameLst>
+                                          <p:attrName>style.visibility</p:attrName>
+                                        </p:attrNameLst>
+                                      </p:cBhvr>
+                                      <p:to>
+                                        <p:strVal val="visible"/>
+                                      </p:to>
+                                    </p:set>
+                                    <p:animEffect filter="fade" transition="in">
+                                      <p:cBhvr>
+                                        <p:cTn dur="1000"/>
+                                        <p:tgtEl>
+                                          <p:spTgt spid="197"/>
+                                        </p:tgtEl>
+                                      </p:cBhvr>
+                                    </p:animEffect>
+                                  </p:childTnLst>
+                                </p:cTn>
+                              </p:par>
+                            </p:childTnLst>
+                          </p:cTn>
+                        </p:par>
+                      </p:childTnLst>
+                    </p:cTn>
+                  </p:par>
+                  <p:par>
+                    <p:cTn fill="hold">
+                      <p:stCondLst>
+                        <p:cond delay="indefinite"/>
+                      </p:stCondLst>
+                      <p:childTnLst>
+                        <p:par>
+                          <p:cTn fill="hold">
+                            <p:stCondLst>
+                              <p:cond delay="0"/>
+                            </p:stCondLst>
+                            <p:childTnLst>
+                              <p:par>
+                                <p:cTn fill="hold" nodeType="clickEffect" presetClass="entr" presetID="10" presetSubtype="0">
+                                  <p:stCondLst>
+                                    <p:cond delay="0"/>
+                                  </p:stCondLst>
+                                  <p:childTnLst>
+                                    <p:set>
+                                      <p:cBhvr>
+                                        <p:cTn dur="1" fill="hold">
+                                          <p:stCondLst>
+                                            <p:cond delay="0"/>
+                                          </p:stCondLst>
+                                        </p:cTn>
+                                        <p:tgtEl>
+                                          <p:spTgt spid="199"/>
+                                        </p:tgtEl>
+                                        <p:attrNameLst>
+                                          <p:attrName>style.visibility</p:attrName>
+                                        </p:attrNameLst>
+                                      </p:cBhvr>
+                                      <p:to>
+                                        <p:strVal val="visible"/>
+                                      </p:to>
+                                    </p:set>
+                                    <p:animEffect filter="fade" transition="in">
+                                      <p:cBhvr>
+                                        <p:cTn dur="1000"/>
+                                        <p:tgtEl>
+                                          <p:spTgt spid="199"/>
+                                        </p:tgtEl>
+                                      </p:cBhvr>
+                                    </p:animEffect>
+                                  </p:childTnLst>
+                                </p:cTn>
+                              </p:par>
+                              <p:par>
+                                <p:cTn fill="hold" nodeType="withEffect" presetClass="entr" presetID="10" presetSubtype="0">
+                                  <p:stCondLst>
+                                    <p:cond delay="0"/>
+                                  </p:stCondLst>
+                                  <p:childTnLst>
+                                    <p:set>
+                                      <p:cBhvr>
+                                        <p:cTn dur="1" fill="hold">
+                                          <p:stCondLst>
+                                            <p:cond delay="0"/>
+                                          </p:stCondLst>
+                                        </p:cTn>
+                                        <p:tgtEl>
+                                          <p:spTgt spid="201"/>
+                                        </p:tgtEl>
+                                        <p:attrNameLst>
+                                          <p:attrName>style.visibility</p:attrName>
+                                        </p:attrNameLst>
+                                      </p:cBhvr>
+                                      <p:to>
+                                        <p:strVal val="visible"/>
+                                      </p:to>
+                                    </p:set>
+                                    <p:animEffect filter="fade" transition="in">
+                                      <p:cBhvr>
+                                        <p:cTn dur="1000"/>
+                                        <p:tgtEl>
+                                          <p:spTgt spid="201"/>
+                                        </p:tgtEl>
+                                      </p:cBhvr>
+                                    </p:animEffect>
+                                  </p:childTnLst>
+                                </p:cTn>
+                              </p:par>
+                              <p:par>
+                                <p:cTn fill="hold" nodeType="withEffect" presetClass="entr" presetID="10" presetSubtype="0">
+                                  <p:stCondLst>
+                                    <p:cond delay="0"/>
+                                  </p:stCondLst>
+                                  <p:childTnLst>
+                                    <p:set>
+                                      <p:cBhvr>
+                                        <p:cTn dur="1" fill="hold">
+                                          <p:stCondLst>
+                                            <p:cond delay="0"/>
+                                          </p:stCondLst>
+                                        </p:cTn>
+                                        <p:tgtEl>
+                                          <p:spTgt spid="200"/>
+                                        </p:tgtEl>
+                                        <p:attrNameLst>
+                                          <p:attrName>style.visibility</p:attrName>
+                                        </p:attrNameLst>
+                                      </p:cBhvr>
+                                      <p:to>
+                                        <p:strVal val="visible"/>
+                                      </p:to>
+                                    </p:set>
+                                    <p:animEffect filter="fade" transition="in">
+                                      <p:cBhvr>
+                                        <p:cTn dur="1000"/>
+                                        <p:tgtEl>
+                                          <p:spTgt spid="200"/>
+                                        </p:tgtEl>
+                                      </p:cBhvr>
+                                    </p:animEffect>
+                                  </p:childTnLst>
+                                </p:cTn>
+                              </p:par>
+                            </p:childTnLst>
+                          </p:cTn>
+                        </p:par>
+                      </p:childTnLst>
+                    </p:cTn>
+                  </p:par>
+                </p:childTnLst>
+              </p:cTn>
+              <p:prevCondLst>
+                <p:cond evt="onPrev">
+                  <p:tgtEl>
+                    <p:sldTgt/>
+                  </p:tgtEl>
+                </p:cond>
+              </p:prevCondLst>
+              <p:nextCondLst>
+                <p:cond evt="onNext">
+                  <p:tgtEl>
+                    <p:sldTgt/>
+                  </p:tgtEl>
+                </p:cond>
+              </p:nextCondLst>
+            </p:seq>
+          </p:childTnLst>
+        </p:cTn>
+      </p:par>
+    </p:tnLst>
+  </p:timing>
 </p:sld>
 </file>
 
 <file path=ppt/slides/slide8.xml><?xml version="1.0" encoding="utf-8"?>
 <p:sld xmlns:a="http://schemas.openxmlformats.org/drawingml/2006/main" xmlns:r="http://schemas.openxmlformats.org/officeDocument/2006/relationships" xmlns:mc="http://schemas.openxmlformats.org/markup-compatibility/2006" xmlns:mv="urn:schemas-microsoft-com:mac:vml" xmlns:p="http://schemas.openxmlformats.org/presentationml/2006/main" xmlns:c="http://schemas.openxmlformats.org/drawingml/2006/chart" xmlns:dgm="http://schemas.openxmlformats.org/drawingml/2006/diagram" xmlns:o="urn:schemas-microsoft-com:office:office" xmlns:v="urn:schemas-microsoft-com:vml" xmlns:pvml="urn:schemas-microsoft-com:office:powerpoint" xmlns:com="http://schemas.openxmlformats.org/drawingml/2006/compatibility" xmlns:p14="http://schemas.microsoft.com/office/powerpoint/2010/main" xmlns:p15="http://schemas.microsoft.com/office/powerpoint/2012/main" xmlns:ahyp="http://schemas.microsoft.com/office/drawing/2018/hyperlinkcolor">
   <p:cSld>
+    <p:bg>
+      <p:bgPr>
+        <a:solidFill>
+          <a:srgbClr val="20124D"/>
+        </a:solidFill>
+      </p:bgPr>
+    </p:bg>
     <p:spTree>
       <p:nvGrpSpPr>
-        <p:cNvPr id="187" name="Shape 187"/>
+        <p:cNvPr id="205" name="Shape 205"/>
         <p:cNvGrpSpPr/>
         <p:nvPr/>
       </p:nvGrpSpPr>
@@ -11473,7 +13302,7 @@
       </p:grpSpPr>
       <p:sp>
         <p:nvSpPr>
-          <p:cNvPr id="188" name="Google Shape;188;p20"/>
+          <p:cNvPr id="206" name="Google Shape;206;p20"/>
           <p:cNvSpPr txBox="1"/>
           <p:nvPr>
             <p:ph type="title"/>
@@ -11513,7 +13342,7 @@
       </p:sp>
       <p:sp>
         <p:nvSpPr>
-          <p:cNvPr id="189" name="Google Shape;189;p20"/>
+          <p:cNvPr id="207" name="Google Shape;207;p20"/>
           <p:cNvSpPr txBox="1"/>
           <p:nvPr>
             <p:ph idx="1" type="body"/>
@@ -11552,7 +13381,7 @@
       </p:sp>
       <p:pic>
         <p:nvPicPr>
-          <p:cNvPr id="190" name="Google Shape;190;p20"/>
+          <p:cNvPr id="208" name="Google Shape;208;p20"/>
           <p:cNvPicPr preferRelativeResize="0"/>
           <p:nvPr/>
         </p:nvPicPr>
@@ -11589,9 +13418,16 @@
 <file path=ppt/slides/slide9.xml><?xml version="1.0" encoding="utf-8"?>
 <p:sld xmlns:a="http://schemas.openxmlformats.org/drawingml/2006/main" xmlns:r="http://schemas.openxmlformats.org/officeDocument/2006/relationships" xmlns:mc="http://schemas.openxmlformats.org/markup-compatibility/2006" xmlns:mv="urn:schemas-microsoft-com:mac:vml" xmlns:p="http://schemas.openxmlformats.org/presentationml/2006/main" xmlns:c="http://schemas.openxmlformats.org/drawingml/2006/chart" xmlns:dgm="http://schemas.openxmlformats.org/drawingml/2006/diagram" xmlns:o="urn:schemas-microsoft-com:office:office" xmlns:v="urn:schemas-microsoft-com:vml" xmlns:pvml="urn:schemas-microsoft-com:office:powerpoint" xmlns:com="http://schemas.openxmlformats.org/drawingml/2006/compatibility" xmlns:p14="http://schemas.microsoft.com/office/powerpoint/2010/main" xmlns:p15="http://schemas.microsoft.com/office/powerpoint/2012/main" xmlns:ahyp="http://schemas.microsoft.com/office/drawing/2018/hyperlinkcolor">
   <p:cSld>
+    <p:bg>
+      <p:bgPr>
+        <a:solidFill>
+          <a:srgbClr val="20124D"/>
+        </a:solidFill>
+      </p:bgPr>
+    </p:bg>
     <p:spTree>
       <p:nvGrpSpPr>
-        <p:cNvPr id="194" name="Shape 194"/>
+        <p:cNvPr id="212" name="Shape 212"/>
         <p:cNvGrpSpPr/>
         <p:nvPr/>
       </p:nvGrpSpPr>
@@ -11605,7 +13441,7 @@
       </p:grpSpPr>
       <p:sp>
         <p:nvSpPr>
-          <p:cNvPr id="195" name="Google Shape;195;p21"/>
+          <p:cNvPr id="213" name="Google Shape;213;p21"/>
           <p:cNvSpPr txBox="1"/>
           <p:nvPr>
             <p:ph type="title"/>
@@ -11613,8 +13449,8 @@
         </p:nvSpPr>
         <p:spPr>
           <a:xfrm>
-            <a:off x="1297500" y="222575"/>
-            <a:ext cx="7038900" cy="914100"/>
+            <a:off x="1297500" y="393750"/>
+            <a:ext cx="7038900" cy="595800"/>
           </a:xfrm>
           <a:prstGeom prst="rect">
             <a:avLst/>
@@ -11636,16 +13472,16 @@
               <a:buNone/>
             </a:pPr>
             <a:r>
-              <a:rPr lang="it" sz="2700"/>
-              <a:t>Conclusion and future works</a:t>
+              <a:rPr lang="it"/>
+              <a:t>Results</a:t>
             </a:r>
-            <a:endParaRPr sz="2700"/>
+            <a:endParaRPr/>
           </a:p>
         </p:txBody>
       </p:sp>
       <p:sp>
         <p:nvSpPr>
-          <p:cNvPr id="196" name="Google Shape;196;p21"/>
+          <p:cNvPr id="214" name="Google Shape;214;p21"/>
           <p:cNvSpPr txBox="1"/>
           <p:nvPr>
             <p:ph idx="1" type="body"/>
@@ -11653,8 +13489,8 @@
         </p:nvSpPr>
         <p:spPr>
           <a:xfrm>
-            <a:off x="1297500" y="992425"/>
-            <a:ext cx="7038900" cy="3364200"/>
+            <a:off x="1297500" y="989550"/>
+            <a:ext cx="7038900" cy="3489300"/>
           </a:xfrm>
           <a:prstGeom prst="rect">
             <a:avLst/>
@@ -11676,18 +13512,9 @@
               <a:buNone/>
             </a:pPr>
             <a:r>
-              <a:rPr lang="it" sz="1600"/>
-              <a:t>ResNet neural network works brilliantly for classification of Multi-class time series, despite the nature of the dataset, reaching accuracies and </a:t>
+              <a:t/>
             </a:r>
-            <a:r>
-              <a:rPr lang="it" sz="1600"/>
-              <a:t>precisions</a:t>
-            </a:r>
-            <a:r>
-              <a:rPr lang="it" sz="1600"/>
-              <a:t> above 96%</a:t>
-            </a:r>
-            <a:endParaRPr sz="1600"/>
+            <a:endParaRPr sz="1400"/>
           </a:p>
           <a:p>
             <a:pPr indent="0" lvl="0" marL="0" rtl="0" algn="just">
@@ -11700,22 +13527,9 @@
               <a:buNone/>
             </a:pPr>
             <a:r>
-              <a:rPr lang="it" sz="1600"/>
-              <a:t>The duration of the process is always low enough to suite as a perfect </a:t>
+              <a:t/>
             </a:r>
-            <a:r>
-              <a:rPr lang="it" sz="1600"/>
-              <a:t>substitute</a:t>
-            </a:r>
-            <a:r>
-              <a:rPr lang="it" sz="1600"/>
-              <a:t> of human work of recognition and </a:t>
-            </a:r>
-            <a:r>
-              <a:rPr lang="it" sz="1600"/>
-              <a:t>labeling</a:t>
-            </a:r>
-            <a:endParaRPr sz="1600"/>
+            <a:endParaRPr sz="1400"/>
           </a:p>
           <a:p>
             <a:pPr indent="0" lvl="0" marL="0" rtl="0" algn="just">
@@ -11728,14 +13542,9 @@
               <a:buNone/>
             </a:pPr>
             <a:r>
-              <a:rPr lang="it" sz="1600"/>
-              <a:t>The same network and data manipulation process can be adopted for solving different problems in other scientific fields of research</a:t>
+              <a:t/>
             </a:r>
-            <a:r>
-              <a:rPr lang="it" sz="1600"/>
-              <a:t> concerning data recognition and forecast of repetitive human activities.</a:t>
-            </a:r>
-            <a:endParaRPr sz="1600"/>
+            <a:endParaRPr sz="1400"/>
           </a:p>
           <a:p>
             <a:pPr indent="0" lvl="0" marL="0" rtl="0" algn="just">
@@ -11743,34 +13552,107 @@
                 <a:spcPts val="1600"/>
               </a:spcBef>
               <a:spcAft>
-                <a:spcPts val="1600"/>
+                <a:spcPts val="0"/>
               </a:spcAft>
               <a:buNone/>
             </a:pPr>
             <a:r>
-              <a:rPr lang="it" sz="1600"/>
-              <a:t>For example, it may also works as a way to anticipate and spot illegal fishing routes </a:t>
+              <a:t/>
             </a:r>
+            <a:endParaRPr sz="1400"/>
+          </a:p>
+          <a:p>
+            <a:pPr indent="0" lvl="0" marL="0" rtl="0" algn="just">
+              <a:spcBef>
+                <a:spcPts val="1600"/>
+              </a:spcBef>
+              <a:spcAft>
+                <a:spcPts val="0"/>
+              </a:spcAft>
+              <a:buNone/>
+            </a:pPr>
             <a:r>
-              <a:rPr lang="it" sz="1600"/>
-              <a:t>partake</a:t>
+              <a:rPr lang="it" sz="1400"/>
+              <a:t>The network appears to work better when the speed feature is present within the dataset.</a:t>
             </a:r>
+            <a:endParaRPr sz="1400"/>
+          </a:p>
+          <a:p>
+            <a:pPr indent="0" lvl="0" marL="0" rtl="0" algn="just">
+              <a:spcBef>
+                <a:spcPts val="1600"/>
+              </a:spcBef>
+              <a:spcAft>
+                <a:spcPts val="0"/>
+              </a:spcAft>
+              <a:buNone/>
+            </a:pPr>
             <a:r>
-              <a:rPr lang="it" sz="1600"/>
-              <a:t> by fisherman even when they </a:t>
+              <a:rPr lang="it" sz="1400"/>
+              <a:t>This is likely due to the overall small variations of speed from one ping to the next in comparison with the other features, such as latitude and longitude.</a:t>
             </a:r>
+            <a:endParaRPr sz="1400"/>
+          </a:p>
+          <a:p>
+            <a:pPr indent="0" lvl="0" marL="0" rtl="0" algn="just">
+              <a:spcBef>
+                <a:spcPts val="1600"/>
+              </a:spcBef>
+              <a:spcAft>
+                <a:spcPts val="0"/>
+              </a:spcAft>
+              <a:buNone/>
+            </a:pPr>
             <a:r>
-              <a:rPr lang="it" sz="1600"/>
-              <a:t>momentarily</a:t>
+              <a:t/>
             </a:r>
+            <a:endParaRPr sz="1400"/>
+          </a:p>
+          <a:p>
+            <a:pPr indent="0" lvl="0" marL="0" rtl="0" algn="just">
+              <a:spcBef>
+                <a:spcPts val="1600"/>
+              </a:spcBef>
+              <a:spcAft>
+                <a:spcPts val="1600"/>
+              </a:spcAft>
+              <a:buNone/>
+            </a:pPr>
             <a:r>
-              <a:rPr lang="it" sz="1600"/>
-              <a:t> deactivate the ship’s equipment</a:t>
+              <a:t/>
             </a:r>
-            <a:endParaRPr sz="1600"/>
+            <a:endParaRPr sz="1400"/>
           </a:p>
         </p:txBody>
       </p:sp>
+      <p:pic>
+        <p:nvPicPr>
+          <p:cNvPr id="215" name="Google Shape;215;p21"/>
+          <p:cNvPicPr preferRelativeResize="0"/>
+          <p:nvPr/>
+        </p:nvPicPr>
+        <p:blipFill>
+          <a:blip r:embed="rId3">
+            <a:alphaModFix/>
+          </a:blip>
+          <a:stretch>
+            <a:fillRect/>
+          </a:stretch>
+        </p:blipFill>
+        <p:spPr>
+          <a:xfrm>
+            <a:off x="1297500" y="989550"/>
+            <a:ext cx="7038900" cy="1625859"/>
+          </a:xfrm>
+          <a:prstGeom prst="rect">
+            <a:avLst/>
+          </a:prstGeom>
+          <a:noFill/>
+          <a:ln>
+            <a:noFill/>
+          </a:ln>
+        </p:spPr>
+      </p:pic>
     </p:spTree>
   </p:cSld>
   <p:clrMapOvr>
